--- a/story_board.pptx
+++ b/story_board.pptx
@@ -120,7 +120,7 @@
   </p:defaultTextStyle>
   <p:extLst>
     <p:ext uri="{EFAFB233-063F-42B5-8137-9DF3F51BA10A}">
-      <p15:sldGuideLst xmlns:p15="http://schemas.microsoft.com/office/powerpoint/2012/main" xmlns="">
+      <p15:sldGuideLst xmlns:p15="http://schemas.microsoft.com/office/powerpoint/2012/main">
         <p15:guide id="1" orient="horz" pos="1588">
           <p15:clr>
             <a:srgbClr val="A4A3A4"/>
@@ -140,7 +140,7 @@
 <file path=ppt/revisionInfo.xml><?xml version="1.0" encoding="utf-8"?>
 <p1510:revInfo xmlns:a="http://schemas.openxmlformats.org/drawingml/2006/main" xmlns:r="http://schemas.openxmlformats.org/officeDocument/2006/relationships" xmlns:p1510="http://schemas.microsoft.com/office/powerpoint/2015/10/main">
   <p1510:revLst>
-    <p1510:client id="{FFFBFD1D-68D7-4546-855C-F88283A751C7}" v="13" dt="2019-01-29T15:46:22.917"/>
+    <p1510:client id="{FFFBFD1D-68D7-4546-855C-F88283A751C7}" v="21" dt="2019-01-31T12:26:14.725"/>
   </p1510:revLst>
 </p1510:revInfo>
 </file>
@@ -150,7 +150,7 @@
   <pc:docChgLst>
     <pc:chgData name="Sam Haley" userId="2921b71b9664ecdd" providerId="LiveId" clId="{FFFBFD1D-68D7-4546-855C-F88283A751C7}"/>
     <pc:docChg chg="undo custSel addSld modSld sldOrd">
-      <pc:chgData name="Sam Haley" userId="2921b71b9664ecdd" providerId="LiveId" clId="{FFFBFD1D-68D7-4546-855C-F88283A751C7}" dt="2019-01-29T15:46:22.917" v="32" actId="571"/>
+      <pc:chgData name="Sam Haley" userId="2921b71b9664ecdd" providerId="LiveId" clId="{FFFBFD1D-68D7-4546-855C-F88283A751C7}" dt="2019-01-31T12:37:43.296" v="86" actId="14100"/>
       <pc:docMkLst>
         <pc:docMk/>
       </pc:docMkLst>
@@ -202,7 +202,7 @@
         </pc:picChg>
       </pc:sldChg>
       <pc:sldChg chg="modSp">
-        <pc:chgData name="Sam Haley" userId="2921b71b9664ecdd" providerId="LiveId" clId="{FFFBFD1D-68D7-4546-855C-F88283A751C7}" dt="2019-01-29T13:18:42.566" v="22" actId="1037"/>
+        <pc:chgData name="Sam Haley" userId="2921b71b9664ecdd" providerId="LiveId" clId="{FFFBFD1D-68D7-4546-855C-F88283A751C7}" dt="2019-01-31T12:26:14.725" v="40" actId="207"/>
         <pc:sldMkLst>
           <pc:docMk/>
           <pc:sldMk cId="4028656251" sldId="261"/>
@@ -216,7 +216,7 @@
           </ac:spMkLst>
         </pc:spChg>
         <pc:spChg chg="mod">
-          <ac:chgData name="Sam Haley" userId="2921b71b9664ecdd" providerId="LiveId" clId="{FFFBFD1D-68D7-4546-855C-F88283A751C7}" dt="2019-01-29T13:18:42.566" v="22" actId="1037"/>
+          <ac:chgData name="Sam Haley" userId="2921b71b9664ecdd" providerId="LiveId" clId="{FFFBFD1D-68D7-4546-855C-F88283A751C7}" dt="2019-01-31T12:26:10.582" v="39" actId="207"/>
           <ac:spMkLst>
             <pc:docMk/>
             <pc:sldMk cId="4028656251" sldId="261"/>
@@ -248,7 +248,7 @@
           </ac:spMkLst>
         </pc:spChg>
         <pc:spChg chg="mod">
-          <ac:chgData name="Sam Haley" userId="2921b71b9664ecdd" providerId="LiveId" clId="{FFFBFD1D-68D7-4546-855C-F88283A751C7}" dt="2019-01-29T12:32:41.348" v="11" actId="1035"/>
+          <ac:chgData name="Sam Haley" userId="2921b71b9664ecdd" providerId="LiveId" clId="{FFFBFD1D-68D7-4546-855C-F88283A751C7}" dt="2019-01-31T12:26:14.725" v="40" actId="207"/>
           <ac:spMkLst>
             <pc:docMk/>
             <pc:sldMk cId="4028656251" sldId="261"/>
@@ -272,12 +272,28 @@
           </ac:picMkLst>
         </pc:picChg>
       </pc:sldChg>
-      <pc:sldChg chg="addSp modSp">
-        <pc:chgData name="Sam Haley" userId="2921b71b9664ecdd" providerId="LiveId" clId="{FFFBFD1D-68D7-4546-855C-F88283A751C7}" dt="2019-01-29T12:51:48.567" v="13" actId="571"/>
+      <pc:sldChg chg="addSp delSp modSp">
+        <pc:chgData name="Sam Haley" userId="2921b71b9664ecdd" providerId="LiveId" clId="{FFFBFD1D-68D7-4546-855C-F88283A751C7}" dt="2019-01-31T12:37:43.296" v="86" actId="14100"/>
         <pc:sldMkLst>
           <pc:docMk/>
           <pc:sldMk cId="737168245" sldId="262"/>
         </pc:sldMkLst>
+        <pc:spChg chg="mod">
+          <ac:chgData name="Sam Haley" userId="2921b71b9664ecdd" providerId="LiveId" clId="{FFFBFD1D-68D7-4546-855C-F88283A751C7}" dt="2019-01-31T12:31:49.085" v="61" actId="1035"/>
+          <ac:spMkLst>
+            <pc:docMk/>
+            <pc:sldMk cId="737168245" sldId="262"/>
+            <ac:spMk id="19" creationId="{00000000-0000-0000-0000-000000000000}"/>
+          </ac:spMkLst>
+        </pc:spChg>
+        <pc:spChg chg="mod">
+          <ac:chgData name="Sam Haley" userId="2921b71b9664ecdd" providerId="LiveId" clId="{FFFBFD1D-68D7-4546-855C-F88283A751C7}" dt="2019-01-31T12:31:24.764" v="41" actId="14100"/>
+          <ac:spMkLst>
+            <pc:docMk/>
+            <pc:sldMk cId="737168245" sldId="262"/>
+            <ac:spMk id="39" creationId="{00000000-0000-0000-0000-000000000000}"/>
+          </ac:spMkLst>
+        </pc:spChg>
         <pc:spChg chg="add mod">
           <ac:chgData name="Sam Haley" userId="2921b71b9664ecdd" providerId="LiveId" clId="{FFFBFD1D-68D7-4546-855C-F88283A751C7}" dt="2019-01-29T12:51:48.567" v="13" actId="571"/>
           <ac:spMkLst>
@@ -302,6 +318,46 @@
             <ac:spMk id="41" creationId="{86755FF1-47CB-4997-B5E4-1EA6E636BB80}"/>
           </ac:spMkLst>
         </pc:spChg>
+        <pc:spChg chg="mod">
+          <ac:chgData name="Sam Haley" userId="2921b71b9664ecdd" providerId="LiveId" clId="{FFFBFD1D-68D7-4546-855C-F88283A751C7}" dt="2019-01-31T12:31:54.824" v="62" actId="14100"/>
+          <ac:spMkLst>
+            <pc:docMk/>
+            <pc:sldMk cId="737168245" sldId="262"/>
+            <ac:spMk id="42" creationId="{00000000-0000-0000-0000-000000000000}"/>
+          </ac:spMkLst>
+        </pc:spChg>
+        <pc:spChg chg="mod">
+          <ac:chgData name="Sam Haley" userId="2921b71b9664ecdd" providerId="LiveId" clId="{FFFBFD1D-68D7-4546-855C-F88283A751C7}" dt="2019-01-31T12:32:13.680" v="67" actId="14100"/>
+          <ac:spMkLst>
+            <pc:docMk/>
+            <pc:sldMk cId="737168245" sldId="262"/>
+            <ac:spMk id="43" creationId="{00000000-0000-0000-0000-000000000000}"/>
+          </ac:spMkLst>
+        </pc:spChg>
+        <pc:spChg chg="mod">
+          <ac:chgData name="Sam Haley" userId="2921b71b9664ecdd" providerId="LiveId" clId="{FFFBFD1D-68D7-4546-855C-F88283A751C7}" dt="2019-01-31T12:32:20.594" v="82" actId="1036"/>
+          <ac:spMkLst>
+            <pc:docMk/>
+            <pc:sldMk cId="737168245" sldId="262"/>
+            <ac:spMk id="44" creationId="{00000000-0000-0000-0000-000000000000}"/>
+          </ac:spMkLst>
+        </pc:spChg>
+        <pc:picChg chg="del">
+          <ac:chgData name="Sam Haley" userId="2921b71b9664ecdd" providerId="LiveId" clId="{FFFBFD1D-68D7-4546-855C-F88283A751C7}" dt="2019-01-31T12:37:34.012" v="83" actId="478"/>
+          <ac:picMkLst>
+            <pc:docMk/>
+            <pc:sldMk cId="737168245" sldId="262"/>
+            <ac:picMk id="47" creationId="{00000000-0000-0000-0000-000000000000}"/>
+          </ac:picMkLst>
+        </pc:picChg>
+        <pc:picChg chg="add mod">
+          <ac:chgData name="Sam Haley" userId="2921b71b9664ecdd" providerId="LiveId" clId="{FFFBFD1D-68D7-4546-855C-F88283A751C7}" dt="2019-01-31T12:37:43.296" v="86" actId="14100"/>
+          <ac:picMkLst>
+            <pc:docMk/>
+            <pc:sldMk cId="737168245" sldId="262"/>
+            <ac:picMk id="50" creationId="{5DE2B882-3C88-4F7E-B0BD-522F76D3B620}"/>
+          </ac:picMkLst>
+        </pc:picChg>
       </pc:sldChg>
       <pc:sldChg chg="modSp">
         <pc:chgData name="Sam Haley" userId="2921b71b9664ecdd" providerId="LiveId" clId="{FFFBFD1D-68D7-4546-855C-F88283A751C7}" dt="2019-01-29T13:07:07.553" v="17" actId="14100"/>
@@ -327,7 +383,7 @@
         </pc:picChg>
       </pc:sldChg>
       <pc:sldChg chg="modSp setBg">
-        <pc:chgData name="Sam Haley" userId="2921b71b9664ecdd" providerId="LiveId" clId="{FFFBFD1D-68D7-4546-855C-F88283A751C7}" dt="2019-01-29T13:11:35.260" v="21" actId="207"/>
+        <pc:chgData name="Sam Haley" userId="2921b71b9664ecdd" providerId="LiveId" clId="{FFFBFD1D-68D7-4546-855C-F88283A751C7}" dt="2019-01-31T12:26:00.376" v="38" actId="207"/>
         <pc:sldMkLst>
           <pc:docMk/>
           <pc:sldMk cId="620648219" sldId="264"/>
@@ -341,11 +397,66 @@
           </ac:spMkLst>
         </pc:spChg>
         <pc:spChg chg="mod">
+          <ac:chgData name="Sam Haley" userId="2921b71b9664ecdd" providerId="LiveId" clId="{FFFBFD1D-68D7-4546-855C-F88283A751C7}" dt="2019-01-31T12:26:00.376" v="38" actId="207"/>
+          <ac:spMkLst>
+            <pc:docMk/>
+            <pc:sldMk cId="620648219" sldId="264"/>
+            <ac:spMk id="8" creationId="{00000000-0000-0000-0000-000000000000}"/>
+          </ac:spMkLst>
+        </pc:spChg>
+        <pc:spChg chg="mod">
+          <ac:chgData name="Sam Haley" userId="2921b71b9664ecdd" providerId="LiveId" clId="{FFFBFD1D-68D7-4546-855C-F88283A751C7}" dt="2019-01-31T12:25:54.758" v="37" actId="207"/>
+          <ac:spMkLst>
+            <pc:docMk/>
+            <pc:sldMk cId="620648219" sldId="264"/>
+            <ac:spMk id="12" creationId="{00000000-0000-0000-0000-000000000000}"/>
+          </ac:spMkLst>
+        </pc:spChg>
+        <pc:spChg chg="mod">
           <ac:chgData name="Sam Haley" userId="2921b71b9664ecdd" providerId="LiveId" clId="{FFFBFD1D-68D7-4546-855C-F88283A751C7}" dt="2019-01-29T13:10:36.914" v="20" actId="207"/>
           <ac:spMkLst>
             <pc:docMk/>
             <pc:sldMk cId="620648219" sldId="264"/>
             <ac:spMk id="13" creationId="{00000000-0000-0000-0000-000000000000}"/>
+          </ac:spMkLst>
+        </pc:spChg>
+      </pc:sldChg>
+      <pc:sldChg chg="modSp">
+        <pc:chgData name="Sam Haley" userId="2921b71b9664ecdd" providerId="LiveId" clId="{FFFBFD1D-68D7-4546-855C-F88283A751C7}" dt="2019-01-31T12:25:44.731" v="36" actId="207"/>
+        <pc:sldMkLst>
+          <pc:docMk/>
+          <pc:sldMk cId="2496374737" sldId="265"/>
+        </pc:sldMkLst>
+        <pc:spChg chg="mod">
+          <ac:chgData name="Sam Haley" userId="2921b71b9664ecdd" providerId="LiveId" clId="{FFFBFD1D-68D7-4546-855C-F88283A751C7}" dt="2019-01-31T12:25:35.134" v="33" actId="207"/>
+          <ac:spMkLst>
+            <pc:docMk/>
+            <pc:sldMk cId="2496374737" sldId="265"/>
+            <ac:spMk id="46" creationId="{00000000-0000-0000-0000-000000000000}"/>
+          </ac:spMkLst>
+        </pc:spChg>
+        <pc:spChg chg="mod">
+          <ac:chgData name="Sam Haley" userId="2921b71b9664ecdd" providerId="LiveId" clId="{FFFBFD1D-68D7-4546-855C-F88283A751C7}" dt="2019-01-31T12:25:39.026" v="34" actId="207"/>
+          <ac:spMkLst>
+            <pc:docMk/>
+            <pc:sldMk cId="2496374737" sldId="265"/>
+            <ac:spMk id="52" creationId="{00000000-0000-0000-0000-000000000000}"/>
+          </ac:spMkLst>
+        </pc:spChg>
+        <pc:spChg chg="mod">
+          <ac:chgData name="Sam Haley" userId="2921b71b9664ecdd" providerId="LiveId" clId="{FFFBFD1D-68D7-4546-855C-F88283A751C7}" dt="2019-01-31T12:25:41.761" v="35" actId="207"/>
+          <ac:spMkLst>
+            <pc:docMk/>
+            <pc:sldMk cId="2496374737" sldId="265"/>
+            <ac:spMk id="64" creationId="{00000000-0000-0000-0000-000000000000}"/>
+          </ac:spMkLst>
+        </pc:spChg>
+        <pc:spChg chg="mod">
+          <ac:chgData name="Sam Haley" userId="2921b71b9664ecdd" providerId="LiveId" clId="{FFFBFD1D-68D7-4546-855C-F88283A751C7}" dt="2019-01-31T12:25:44.731" v="36" actId="207"/>
+          <ac:spMkLst>
+            <pc:docMk/>
+            <pc:sldMk cId="2496374737" sldId="265"/>
+            <ac:spMk id="76" creationId="{00000000-0000-0000-0000-000000000000}"/>
           </ac:spMkLst>
         </pc:spChg>
       </pc:sldChg>
@@ -459,7 +570,7 @@
           <a:p>
             <a:fld id="{3A7B8944-D729-4870-9941-0AB49AD46049}" type="datetimeFigureOut">
               <a:rPr lang="en-GB" smtClean="0"/>
-              <a:t>30/01/2019</a:t>
+              <a:t>31/01/2019</a:t>
             </a:fld>
             <a:endParaRPr lang="en-GB"/>
           </a:p>
@@ -952,16 +1063,12 @@
           <a:lstStyle/>
           <a:p>
             <a:r>
-              <a:rPr lang="en-GB" dirty="0" smtClean="0"/>
+              <a:rPr lang="en-GB" dirty="0"/>
               <a:t>Select</a:t>
             </a:r>
             <a:r>
-              <a:rPr lang="en-GB" baseline="0" dirty="0" smtClean="0"/>
-              <a:t> which area user wants to change colour scheme and the select </a:t>
-            </a:r>
-            <a:r>
-              <a:rPr lang="en-GB" baseline="0" smtClean="0"/>
-              <a:t>colour wanted.</a:t>
+              <a:rPr lang="en-GB" baseline="0" dirty="0"/>
+              <a:t> which area user wants to change colour scheme and the select colour wanted.</a:t>
             </a:r>
             <a:endParaRPr lang="en-GB" dirty="0"/>
           </a:p>
@@ -2019,7 +2126,7 @@
           <a:p>
             <a:fld id="{7DC8C874-F052-4B8F-84BA-ADED70597167}" type="datetimeFigureOut">
               <a:rPr lang="en-GB" smtClean="0"/>
-              <a:t>30/01/2019</a:t>
+              <a:t>31/01/2019</a:t>
             </a:fld>
             <a:endParaRPr lang="en-GB"/>
           </a:p>
@@ -2189,7 +2296,7 @@
           <a:p>
             <a:fld id="{7DC8C874-F052-4B8F-84BA-ADED70597167}" type="datetimeFigureOut">
               <a:rPr lang="en-GB" smtClean="0"/>
-              <a:t>30/01/2019</a:t>
+              <a:t>31/01/2019</a:t>
             </a:fld>
             <a:endParaRPr lang="en-GB"/>
           </a:p>
@@ -2369,7 +2476,7 @@
           <a:p>
             <a:fld id="{7DC8C874-F052-4B8F-84BA-ADED70597167}" type="datetimeFigureOut">
               <a:rPr lang="en-GB" smtClean="0"/>
-              <a:t>30/01/2019</a:t>
+              <a:t>31/01/2019</a:t>
             </a:fld>
             <a:endParaRPr lang="en-GB"/>
           </a:p>
@@ -2539,7 +2646,7 @@
           <a:p>
             <a:fld id="{7DC8C874-F052-4B8F-84BA-ADED70597167}" type="datetimeFigureOut">
               <a:rPr lang="en-GB" smtClean="0"/>
-              <a:t>30/01/2019</a:t>
+              <a:t>31/01/2019</a:t>
             </a:fld>
             <a:endParaRPr lang="en-GB"/>
           </a:p>
@@ -2785,7 +2892,7 @@
           <a:p>
             <a:fld id="{7DC8C874-F052-4B8F-84BA-ADED70597167}" type="datetimeFigureOut">
               <a:rPr lang="en-GB" smtClean="0"/>
-              <a:t>30/01/2019</a:t>
+              <a:t>31/01/2019</a:t>
             </a:fld>
             <a:endParaRPr lang="en-GB"/>
           </a:p>
@@ -3073,7 +3180,7 @@
           <a:p>
             <a:fld id="{7DC8C874-F052-4B8F-84BA-ADED70597167}" type="datetimeFigureOut">
               <a:rPr lang="en-GB" smtClean="0"/>
-              <a:t>30/01/2019</a:t>
+              <a:t>31/01/2019</a:t>
             </a:fld>
             <a:endParaRPr lang="en-GB"/>
           </a:p>
@@ -3495,7 +3602,7 @@
           <a:p>
             <a:fld id="{7DC8C874-F052-4B8F-84BA-ADED70597167}" type="datetimeFigureOut">
               <a:rPr lang="en-GB" smtClean="0"/>
-              <a:t>30/01/2019</a:t>
+              <a:t>31/01/2019</a:t>
             </a:fld>
             <a:endParaRPr lang="en-GB"/>
           </a:p>
@@ -3613,7 +3720,7 @@
           <a:p>
             <a:fld id="{7DC8C874-F052-4B8F-84BA-ADED70597167}" type="datetimeFigureOut">
               <a:rPr lang="en-GB" smtClean="0"/>
-              <a:t>30/01/2019</a:t>
+              <a:t>31/01/2019</a:t>
             </a:fld>
             <a:endParaRPr lang="en-GB"/>
           </a:p>
@@ -3708,7 +3815,7 @@
           <a:p>
             <a:fld id="{7DC8C874-F052-4B8F-84BA-ADED70597167}" type="datetimeFigureOut">
               <a:rPr lang="en-GB" smtClean="0"/>
-              <a:t>30/01/2019</a:t>
+              <a:t>31/01/2019</a:t>
             </a:fld>
             <a:endParaRPr lang="en-GB"/>
           </a:p>
@@ -3985,7 +4092,7 @@
           <a:p>
             <a:fld id="{7DC8C874-F052-4B8F-84BA-ADED70597167}" type="datetimeFigureOut">
               <a:rPr lang="en-GB" smtClean="0"/>
-              <a:t>30/01/2019</a:t>
+              <a:t>31/01/2019</a:t>
             </a:fld>
             <a:endParaRPr lang="en-GB"/>
           </a:p>
@@ -4238,7 +4345,7 @@
           <a:p>
             <a:fld id="{7DC8C874-F052-4B8F-84BA-ADED70597167}" type="datetimeFigureOut">
               <a:rPr lang="en-GB" smtClean="0"/>
-              <a:t>30/01/2019</a:t>
+              <a:t>31/01/2019</a:t>
             </a:fld>
             <a:endParaRPr lang="en-GB"/>
           </a:p>
@@ -4451,7 +4558,7 @@
           <a:p>
             <a:fld id="{7DC8C874-F052-4B8F-84BA-ADED70597167}" type="datetimeFigureOut">
               <a:rPr lang="en-GB" smtClean="0"/>
-              <a:t>30/01/2019</a:t>
+              <a:t>31/01/2019</a:t>
             </a:fld>
             <a:endParaRPr lang="en-GB"/>
           </a:p>
@@ -4983,10 +5090,9 @@
           <a:p>
             <a:pPr algn="ctr"/>
             <a:r>
-              <a:rPr lang="en-GB" sz="2800" dirty="0" smtClean="0"/>
+              <a:rPr lang="en-GB" sz="2800" dirty="0"/>
               <a:t>Smart Assistant</a:t>
             </a:r>
-            <a:endParaRPr lang="en-GB" sz="2800" dirty="0"/>
           </a:p>
         </p:txBody>
       </p:sp>
@@ -5094,10 +5200,9 @@
           <a:lstStyle/>
           <a:p>
             <a:r>
-              <a:rPr lang="en-GB" sz="2800" dirty="0" smtClean="0"/>
+              <a:rPr lang="en-GB" sz="2800" dirty="0"/>
               <a:t>Settings</a:t>
             </a:r>
-            <a:endParaRPr lang="en-GB" sz="2800" dirty="0"/>
           </a:p>
         </p:txBody>
       </p:sp>
@@ -5538,10 +5643,7 @@
             <a:avLst/>
           </a:prstGeom>
           <a:solidFill>
-            <a:schemeClr val="accent3">
-              <a:lumMod val="40000"/>
-              <a:lumOff val="60000"/>
-            </a:schemeClr>
+            <a:schemeClr val="tx1"/>
           </a:solidFill>
         </p:spPr>
         <p:style>
@@ -5563,7 +5665,7 @@
           <a:lstStyle/>
           <a:p>
             <a:pPr algn="ctr"/>
-            <a:endParaRPr lang="en-GB"/>
+            <a:endParaRPr lang="en-GB" dirty="0"/>
           </a:p>
         </p:txBody>
       </p:sp>
@@ -5890,10 +5992,7 @@
             <a:avLst/>
           </a:prstGeom>
           <a:solidFill>
-            <a:schemeClr val="accent3">
-              <a:lumMod val="40000"/>
-              <a:lumOff val="60000"/>
-            </a:schemeClr>
+            <a:schemeClr val="tx1"/>
           </a:solidFill>
         </p:spPr>
         <p:style>
@@ -5915,7 +6014,7 @@
           <a:lstStyle/>
           <a:p>
             <a:pPr algn="ctr"/>
-            <a:endParaRPr lang="en-GB"/>
+            <a:endParaRPr lang="en-GB" dirty="0"/>
           </a:p>
         </p:txBody>
       </p:sp>
@@ -6061,10 +6160,9 @@
           <a:lstStyle/>
           <a:p>
             <a:r>
-              <a:rPr lang="en-GB" sz="4000" dirty="0" smtClean="0"/>
+              <a:rPr lang="en-GB" sz="4000" dirty="0"/>
               <a:t>Robot Assistant</a:t>
             </a:r>
-            <a:endParaRPr lang="en-GB" sz="4000" dirty="0"/>
           </a:p>
         </p:txBody>
       </p:sp>
@@ -6875,10 +6973,9 @@
           <a:lstStyle/>
           <a:p>
             <a:r>
-              <a:rPr lang="en-GB" sz="4000" dirty="0" smtClean="0"/>
+              <a:rPr lang="en-GB" sz="4000" dirty="0"/>
               <a:t>Personalisation </a:t>
             </a:r>
-            <a:endParaRPr lang="en-GB" sz="4000" dirty="0"/>
           </a:p>
         </p:txBody>
       </p:sp>
@@ -7339,18 +7436,13 @@
           <a:lstStyle/>
           <a:p>
             <a:r>
-              <a:rPr lang="en-GB" sz="2400" dirty="0" smtClean="0">
+              <a:rPr lang="en-GB" sz="2400" dirty="0">
                 <a:solidFill>
                   <a:srgbClr val="000000"/>
                 </a:solidFill>
               </a:rPr>
               <a:t>Change Colour Scheme </a:t>
             </a:r>
-            <a:endParaRPr lang="en-GB" sz="2400" dirty="0">
-              <a:solidFill>
-                <a:srgbClr val="000000"/>
-              </a:solidFill>
-            </a:endParaRPr>
           </a:p>
         </p:txBody>
       </p:sp>
@@ -7377,18 +7469,13 @@
           <a:lstStyle/>
           <a:p>
             <a:r>
-              <a:rPr lang="en-GB" sz="2400" dirty="0" smtClean="0">
+              <a:rPr lang="en-GB" sz="2400" dirty="0">
                 <a:solidFill>
                   <a:srgbClr val="000000"/>
                 </a:solidFill>
               </a:rPr>
               <a:t>Select Colour </a:t>
             </a:r>
-            <a:endParaRPr lang="en-GB" sz="2400" dirty="0">
-              <a:solidFill>
-                <a:srgbClr val="000000"/>
-              </a:solidFill>
-            </a:endParaRPr>
           </a:p>
         </p:txBody>
       </p:sp>
@@ -7456,10 +7543,9 @@
           <a:lstStyle/>
           <a:p>
             <a:r>
-              <a:rPr lang="en-GB" sz="2800" dirty="0" smtClean="0"/>
+              <a:rPr lang="en-GB" sz="2800" dirty="0"/>
               <a:t>Reset</a:t>
             </a:r>
-            <a:endParaRPr lang="en-GB" sz="2800" dirty="0"/>
           </a:p>
         </p:txBody>
       </p:sp>
@@ -8713,10 +8799,9 @@
           <a:lstStyle/>
           <a:p>
             <a:r>
-              <a:rPr lang="en-GB" sz="2800" dirty="0" smtClean="0"/>
+              <a:rPr lang="en-GB" sz="2800" dirty="0"/>
               <a:t>Add</a:t>
             </a:r>
-            <a:endParaRPr lang="en-GB" sz="2800" dirty="0"/>
           </a:p>
         </p:txBody>
       </p:sp>
@@ -9303,10 +9388,7 @@
               <a:avLst/>
             </a:prstGeom>
             <a:solidFill>
-              <a:schemeClr val="bg2">
-                <a:lumMod val="40000"/>
-                <a:lumOff val="60000"/>
-              </a:schemeClr>
+              <a:schemeClr val="tx1"/>
             </a:solidFill>
           </p:spPr>
           <p:style>
@@ -9330,7 +9412,7 @@
             <a:lstStyle/>
             <a:p>
               <a:pPr algn="ctr"/>
-              <a:endParaRPr lang="en-GB"/>
+              <a:endParaRPr lang="en-GB" dirty="0"/>
             </a:p>
           </p:txBody>
         </p:sp>
@@ -9610,10 +9692,7 @@
               <a:avLst/>
             </a:prstGeom>
             <a:solidFill>
-              <a:schemeClr val="bg2">
-                <a:lumMod val="40000"/>
-                <a:lumOff val="60000"/>
-              </a:schemeClr>
+              <a:schemeClr val="tx1"/>
             </a:solidFill>
           </p:spPr>
           <p:style>
@@ -9637,7 +9716,7 @@
             <a:lstStyle/>
             <a:p>
               <a:pPr algn="ctr"/>
-              <a:endParaRPr lang="en-GB"/>
+              <a:endParaRPr lang="en-GB" dirty="0"/>
             </a:p>
           </p:txBody>
         </p:sp>
@@ -9917,10 +9996,7 @@
               <a:avLst/>
             </a:prstGeom>
             <a:solidFill>
-              <a:schemeClr val="bg2">
-                <a:lumMod val="40000"/>
-                <a:lumOff val="60000"/>
-              </a:schemeClr>
+              <a:schemeClr val="tx1"/>
             </a:solidFill>
           </p:spPr>
           <p:style>
@@ -9944,7 +10020,7 @@
             <a:lstStyle/>
             <a:p>
               <a:pPr algn="ctr"/>
-              <a:endParaRPr lang="en-GB"/>
+              <a:endParaRPr lang="en-GB" dirty="0"/>
             </a:p>
           </p:txBody>
         </p:sp>
@@ -10225,10 +10301,7 @@
               <a:avLst/>
             </a:prstGeom>
             <a:solidFill>
-              <a:schemeClr val="bg2">
-                <a:lumMod val="40000"/>
-                <a:lumOff val="60000"/>
-              </a:schemeClr>
+              <a:schemeClr val="tx1"/>
             </a:solidFill>
           </p:spPr>
           <p:style>
@@ -10252,7 +10325,7 @@
             <a:lstStyle/>
             <a:p>
               <a:pPr algn="ctr"/>
-              <a:endParaRPr lang="en-GB"/>
+              <a:endParaRPr lang="en-GB" dirty="0"/>
             </a:p>
           </p:txBody>
         </p:sp>
@@ -10421,7 +10494,7 @@
             <a:lstStyle/>
             <a:p>
               <a:r>
-                <a:rPr lang="en-GB" dirty="0" smtClean="0">
+                <a:rPr lang="en-GB" dirty="0">
                   <a:solidFill>
                     <a:schemeClr val="tx1">
                       <a:lumMod val="75000"/>
@@ -10430,13 +10503,6 @@
                 </a:rPr>
                 <a:t>Add</a:t>
               </a:r>
-              <a:endParaRPr lang="en-GB" dirty="0">
-                <a:solidFill>
-                  <a:schemeClr val="tx1">
-                    <a:lumMod val="75000"/>
-                  </a:schemeClr>
-                </a:solidFill>
-              </a:endParaRPr>
             </a:p>
           </p:txBody>
         </p:sp>
@@ -10463,10 +10529,9 @@
             <a:lstStyle/>
             <a:p>
               <a:r>
-                <a:rPr lang="en-GB" dirty="0" smtClean="0"/>
+                <a:rPr lang="en-GB" dirty="0"/>
                 <a:t>Remove</a:t>
               </a:r>
-              <a:endParaRPr lang="en-GB" dirty="0"/>
             </a:p>
           </p:txBody>
         </p:sp>
@@ -10598,7 +10663,7 @@
             <a:lstStyle/>
             <a:p>
               <a:r>
-                <a:rPr lang="en-GB" dirty="0" smtClean="0">
+                <a:rPr lang="en-GB" dirty="0">
                   <a:solidFill>
                     <a:schemeClr val="tx1">
                       <a:lumMod val="75000"/>
@@ -10607,13 +10672,6 @@
                 </a:rPr>
                 <a:t>Add</a:t>
               </a:r>
-              <a:endParaRPr lang="en-GB" dirty="0">
-                <a:solidFill>
-                  <a:schemeClr val="tx1">
-                    <a:lumMod val="75000"/>
-                  </a:schemeClr>
-                </a:solidFill>
-              </a:endParaRPr>
             </a:p>
           </p:txBody>
         </p:sp>
@@ -10640,10 +10698,9 @@
             <a:lstStyle/>
             <a:p>
               <a:r>
-                <a:rPr lang="en-GB" dirty="0" smtClean="0"/>
+                <a:rPr lang="en-GB" dirty="0"/>
                 <a:t>Remove</a:t>
               </a:r>
-              <a:endParaRPr lang="en-GB" dirty="0"/>
             </a:p>
           </p:txBody>
         </p:sp>
@@ -10775,10 +10832,9 @@
             <a:lstStyle/>
             <a:p>
               <a:r>
-                <a:rPr lang="en-GB" dirty="0" smtClean="0"/>
+                <a:rPr lang="en-GB" dirty="0"/>
                 <a:t>Add</a:t>
               </a:r>
-              <a:endParaRPr lang="en-GB" dirty="0"/>
             </a:p>
           </p:txBody>
         </p:sp>
@@ -10805,7 +10861,7 @@
             <a:lstStyle/>
             <a:p>
               <a:r>
-                <a:rPr lang="en-GB" dirty="0" smtClean="0">
+                <a:rPr lang="en-GB" dirty="0">
                   <a:solidFill>
                     <a:schemeClr val="tx1">
                       <a:lumMod val="75000"/>
@@ -10814,13 +10870,6 @@
                 </a:rPr>
                 <a:t>Remove</a:t>
               </a:r>
-              <a:endParaRPr lang="en-GB" dirty="0">
-                <a:solidFill>
-                  <a:schemeClr val="tx1">
-                    <a:lumMod val="75000"/>
-                  </a:schemeClr>
-                </a:solidFill>
-              </a:endParaRPr>
             </a:p>
           </p:txBody>
         </p:sp>
@@ -10943,10 +10992,9 @@
             <a:lstStyle/>
             <a:p>
               <a:r>
-                <a:rPr lang="en-GB" dirty="0" smtClean="0"/>
+                <a:rPr lang="en-GB" dirty="0"/>
                 <a:t>Add</a:t>
               </a:r>
-              <a:endParaRPr lang="en-GB" dirty="0"/>
             </a:p>
           </p:txBody>
         </p:sp>
@@ -10973,10 +11021,9 @@
             <a:lstStyle/>
             <a:p>
               <a:r>
-                <a:rPr lang="en-GB" dirty="0" smtClean="0"/>
+                <a:rPr lang="en-GB" dirty="0"/>
                 <a:t>Remove</a:t>
               </a:r>
-              <a:endParaRPr lang="en-GB" dirty="0"/>
             </a:p>
           </p:txBody>
         </p:sp>
@@ -11150,87 +11197,6 @@
           </a:p>
         </p:txBody>
       </p:sp>
-      <p:sp>
-        <p:nvSpPr>
-          <p:cNvPr id="8" name="Rectangle 7"/>
-          <p:cNvSpPr/>
-          <p:nvPr/>
-        </p:nvSpPr>
-        <p:spPr>
-          <a:xfrm>
-            <a:off x="4104828" y="863972"/>
-            <a:ext cx="3528392" cy="3312368"/>
-          </a:xfrm>
-          <a:prstGeom prst="rect">
-            <a:avLst/>
-          </a:prstGeom>
-        </p:spPr>
-        <p:style>
-          <a:lnRef idx="2">
-            <a:schemeClr val="accent1">
-              <a:shade val="50000"/>
-            </a:schemeClr>
-          </a:lnRef>
-          <a:fillRef idx="1">
-            <a:schemeClr val="accent1"/>
-          </a:fillRef>
-          <a:effectRef idx="0">
-            <a:schemeClr val="accent1"/>
-          </a:effectRef>
-          <a:fontRef idx="minor">
-            <a:schemeClr val="lt1"/>
-          </a:fontRef>
-        </p:style>
-        <p:txBody>
-          <a:bodyPr rtlCol="0" anchor="ctr"/>
-          <a:lstStyle/>
-          <a:p>
-            <a:pPr algn="ctr"/>
-            <a:endParaRPr lang="en-GB"/>
-          </a:p>
-        </p:txBody>
-      </p:sp>
-      <p:pic>
-        <p:nvPicPr>
-          <p:cNvPr id="5124" name="Picture 4" descr="C:\Users\Sam\OneDrive\Documents\Heriot Watt\Advanced Interaction design\courswork a\storyboard\exercise_page\ex_1\movement_1.png"/>
-          <p:cNvPicPr>
-            <a:picLocks noChangeAspect="1" noChangeArrowheads="1"/>
-          </p:cNvPicPr>
-          <p:nvPr/>
-        </p:nvPicPr>
-        <p:blipFill>
-          <a:blip r:embed="rId3" cstate="print">
-            <a:extLst>
-              <a:ext uri="{28A0092B-C50C-407E-A947-70E740481C1C}">
-                <a14:useLocalDpi xmlns:a14="http://schemas.microsoft.com/office/drawing/2010/main" val="0"/>
-              </a:ext>
-            </a:extLst>
-          </a:blip>
-          <a:srcRect/>
-          <a:stretch>
-            <a:fillRect/>
-          </a:stretch>
-        </p:blipFill>
-        <p:spPr bwMode="auto">
-          <a:xfrm>
-            <a:off x="4104829" y="863972"/>
-            <a:ext cx="3530598" cy="3314681"/>
-          </a:xfrm>
-          <a:prstGeom prst="rect">
-            <a:avLst/>
-          </a:prstGeom>
-          <a:noFill/>
-          <a:extLst>
-            <a:ext uri="{909E8E84-426E-40DD-AFC4-6F175D3DCCD1}">
-              <a14:hiddenFill xmlns:a14="http://schemas.microsoft.com/office/drawing/2010/main">
-                <a:solidFill>
-                  <a:srgbClr val="FFFFFF"/>
-                </a:solidFill>
-              </a14:hiddenFill>
-            </a:ext>
-          </a:extLst>
-        </p:spPr>
-      </p:pic>
       <p:pic>
         <p:nvPicPr>
           <p:cNvPr id="13" name="Picture 7"/>
@@ -11240,7 +11206,7 @@
           <p:nvPr/>
         </p:nvPicPr>
         <p:blipFill>
-          <a:blip r:embed="rId4">
+          <a:blip r:embed="rId3">
             <a:extLst>
               <a:ext uri="{28A0092B-C50C-407E-A947-70E740481C1C}">
                 <a14:useLocalDpi xmlns:a14="http://schemas.microsoft.com/office/drawing/2010/main" val="0"/>
@@ -11398,7 +11364,7 @@
           <p:nvPr/>
         </p:nvPicPr>
         <p:blipFill>
-          <a:blip r:embed="rId5" cstate="print">
+          <a:blip r:embed="rId4" cstate="print">
             <a:extLst>
               <a:ext uri="{28A0092B-C50C-407E-A947-70E740481C1C}">
                 <a14:useLocalDpi xmlns:a14="http://schemas.microsoft.com/office/drawing/2010/main" val="0"/>
@@ -11429,6 +11395,986 @@
           </a:extLst>
         </p:spPr>
       </p:pic>
+      <p:sp>
+        <p:nvSpPr>
+          <p:cNvPr id="82" name="Rectangle 81"/>
+          <p:cNvSpPr/>
+          <p:nvPr/>
+        </p:nvSpPr>
+        <p:spPr>
+          <a:xfrm>
+            <a:off x="864468" y="791964"/>
+            <a:ext cx="6209120" cy="3312368"/>
+          </a:xfrm>
+          <a:prstGeom prst="rect">
+            <a:avLst/>
+          </a:prstGeom>
+        </p:spPr>
+        <p:style>
+          <a:lnRef idx="2">
+            <a:schemeClr val="accent1">
+              <a:shade val="50000"/>
+            </a:schemeClr>
+          </a:lnRef>
+          <a:fillRef idx="1">
+            <a:schemeClr val="accent1"/>
+          </a:fillRef>
+          <a:effectRef idx="0">
+            <a:schemeClr val="accent1"/>
+          </a:effectRef>
+          <a:fontRef idx="minor">
+            <a:schemeClr val="lt1"/>
+          </a:fontRef>
+        </p:style>
+        <p:txBody>
+          <a:bodyPr rtlCol="0" anchor="ctr"/>
+          <a:lstStyle/>
+          <a:p>
+            <a:pPr algn="ctr"/>
+            <a:endParaRPr lang="en-GB"/>
+          </a:p>
+        </p:txBody>
+      </p:sp>
+      <p:pic>
+        <p:nvPicPr>
+          <p:cNvPr id="83" name="Picture 2" descr="C:\Users\Sam\OneDrive\Documents\Heriot Watt\Advanced Interaction design\courswork a\storyboard\exercise_page\ex_1\movment_2a.png"/>
+          <p:cNvPicPr>
+            <a:picLocks noChangeAspect="1" noChangeArrowheads="1"/>
+          </p:cNvPicPr>
+          <p:nvPr/>
+        </p:nvPicPr>
+        <p:blipFill>
+          <a:blip r:embed="rId5" cstate="print">
+            <a:extLst>
+              <a:ext uri="{28A0092B-C50C-407E-A947-70E740481C1C}">
+                <a14:useLocalDpi xmlns:a14="http://schemas.microsoft.com/office/drawing/2010/main" val="0"/>
+              </a:ext>
+            </a:extLst>
+          </a:blip>
+          <a:srcRect/>
+          <a:stretch>
+            <a:fillRect/>
+          </a:stretch>
+        </p:blipFill>
+        <p:spPr bwMode="auto">
+          <a:xfrm>
+            <a:off x="950208" y="913245"/>
+            <a:ext cx="6042156" cy="3069805"/>
+          </a:xfrm>
+          <a:prstGeom prst="rect">
+            <a:avLst/>
+          </a:prstGeom>
+          <a:noFill/>
+          <a:extLst>
+            <a:ext uri="{909E8E84-426E-40DD-AFC4-6F175D3DCCD1}">
+              <a14:hiddenFill xmlns:a14="http://schemas.microsoft.com/office/drawing/2010/main">
+                <a:solidFill>
+                  <a:srgbClr val="FFFFFF"/>
+                </a:solidFill>
+              </a14:hiddenFill>
+            </a:ext>
+          </a:extLst>
+        </p:spPr>
+      </p:pic>
+      <p:pic>
+        <p:nvPicPr>
+          <p:cNvPr id="5124" name="Picture 4" descr="C:\Users\Sam\OneDrive\Documents\Heriot Watt\Advanced Interaction design\courswork a\storyboard\exercise_page\ex_1\movement_1.png"/>
+          <p:cNvPicPr>
+            <a:picLocks noChangeAspect="1" noChangeArrowheads="1"/>
+          </p:cNvPicPr>
+          <p:nvPr/>
+        </p:nvPicPr>
+        <p:blipFill>
+          <a:blip r:embed="rId6" cstate="print">
+            <a:extLst>
+              <a:ext uri="{28A0092B-C50C-407E-A947-70E740481C1C}">
+                <a14:useLocalDpi xmlns:a14="http://schemas.microsoft.com/office/drawing/2010/main" val="0"/>
+              </a:ext>
+            </a:extLst>
+          </a:blip>
+          <a:srcRect/>
+          <a:stretch>
+            <a:fillRect/>
+          </a:stretch>
+        </p:blipFill>
+        <p:spPr bwMode="auto">
+          <a:xfrm>
+            <a:off x="2205987" y="913245"/>
+            <a:ext cx="3530598" cy="3069805"/>
+          </a:xfrm>
+          <a:prstGeom prst="rect">
+            <a:avLst/>
+          </a:prstGeom>
+          <a:noFill/>
+          <a:extLst>
+            <a:ext uri="{909E8E84-426E-40DD-AFC4-6F175D3DCCD1}">
+              <a14:hiddenFill xmlns:a14="http://schemas.microsoft.com/office/drawing/2010/main">
+                <a:solidFill>
+                  <a:srgbClr val="FFFFFF"/>
+                </a:solidFill>
+              </a14:hiddenFill>
+            </a:ext>
+          </a:extLst>
+        </p:spPr>
+      </p:pic>
+      <p:grpSp>
+        <p:nvGrpSpPr>
+          <p:cNvPr id="60" name="Group 59"/>
+          <p:cNvGrpSpPr/>
+          <p:nvPr/>
+        </p:nvGrpSpPr>
+        <p:grpSpPr>
+          <a:xfrm>
+            <a:off x="3240732" y="1584052"/>
+            <a:ext cx="1368152" cy="2088232"/>
+            <a:chOff x="3240732" y="2016100"/>
+            <a:chExt cx="1368152" cy="2088232"/>
+          </a:xfrm>
+        </p:grpSpPr>
+        <p:cxnSp>
+          <p:nvCxnSpPr>
+            <p:cNvPr id="61" name="Straight Connector 60"/>
+            <p:cNvCxnSpPr/>
+            <p:nvPr/>
+          </p:nvCxnSpPr>
+          <p:spPr>
+            <a:xfrm flipV="1">
+              <a:off x="3240732" y="3960316"/>
+              <a:ext cx="214457" cy="144016"/>
+            </a:xfrm>
+            <a:prstGeom prst="line">
+              <a:avLst/>
+            </a:prstGeom>
+            <a:ln w="38100">
+              <a:solidFill>
+                <a:schemeClr val="accent2">
+                  <a:lumMod val="75000"/>
+                  <a:alpha val="74118"/>
+                </a:schemeClr>
+              </a:solidFill>
+            </a:ln>
+          </p:spPr>
+          <p:style>
+            <a:lnRef idx="1">
+              <a:schemeClr val="accent1"/>
+            </a:lnRef>
+            <a:fillRef idx="0">
+              <a:schemeClr val="accent1"/>
+            </a:fillRef>
+            <a:effectRef idx="0">
+              <a:schemeClr val="accent1"/>
+            </a:effectRef>
+            <a:fontRef idx="minor">
+              <a:schemeClr val="tx1"/>
+            </a:fontRef>
+          </p:style>
+        </p:cxnSp>
+        <p:cxnSp>
+          <p:nvCxnSpPr>
+            <p:cNvPr id="62" name="Straight Connector 61"/>
+            <p:cNvCxnSpPr/>
+            <p:nvPr/>
+          </p:nvCxnSpPr>
+          <p:spPr>
+            <a:xfrm flipV="1">
+              <a:off x="3455190" y="3420088"/>
+              <a:ext cx="73574" cy="540228"/>
+            </a:xfrm>
+            <a:prstGeom prst="line">
+              <a:avLst/>
+            </a:prstGeom>
+            <a:ln w="38100">
+              <a:solidFill>
+                <a:schemeClr val="accent2">
+                  <a:lumMod val="75000"/>
+                  <a:alpha val="74118"/>
+                </a:schemeClr>
+              </a:solidFill>
+            </a:ln>
+          </p:spPr>
+          <p:style>
+            <a:lnRef idx="1">
+              <a:schemeClr val="accent1"/>
+            </a:lnRef>
+            <a:fillRef idx="0">
+              <a:schemeClr val="accent1"/>
+            </a:fillRef>
+            <a:effectRef idx="0">
+              <a:schemeClr val="accent1"/>
+            </a:effectRef>
+            <a:fontRef idx="minor">
+              <a:schemeClr val="tx1"/>
+            </a:fontRef>
+          </p:style>
+        </p:cxnSp>
+        <p:cxnSp>
+          <p:nvCxnSpPr>
+            <p:cNvPr id="63" name="Straight Connector 62"/>
+            <p:cNvCxnSpPr/>
+            <p:nvPr/>
+          </p:nvCxnSpPr>
+          <p:spPr>
+            <a:xfrm flipV="1">
+              <a:off x="3528764" y="2817544"/>
+              <a:ext cx="440264" cy="602544"/>
+            </a:xfrm>
+            <a:prstGeom prst="line">
+              <a:avLst/>
+            </a:prstGeom>
+            <a:ln w="38100">
+              <a:solidFill>
+                <a:schemeClr val="accent2">
+                  <a:lumMod val="75000"/>
+                  <a:alpha val="74118"/>
+                </a:schemeClr>
+              </a:solidFill>
+            </a:ln>
+          </p:spPr>
+          <p:style>
+            <a:lnRef idx="1">
+              <a:schemeClr val="accent1"/>
+            </a:lnRef>
+            <a:fillRef idx="0">
+              <a:schemeClr val="accent1"/>
+            </a:fillRef>
+            <a:effectRef idx="0">
+              <a:schemeClr val="accent1"/>
+            </a:effectRef>
+            <a:fontRef idx="minor">
+              <a:schemeClr val="tx1"/>
+            </a:fontRef>
+          </p:style>
+        </p:cxnSp>
+        <p:cxnSp>
+          <p:nvCxnSpPr>
+            <p:cNvPr id="64" name="Straight Connector 63"/>
+            <p:cNvCxnSpPr/>
+            <p:nvPr/>
+          </p:nvCxnSpPr>
+          <p:spPr>
+            <a:xfrm flipV="1">
+              <a:off x="3960096" y="2016100"/>
+              <a:ext cx="11190" cy="801444"/>
+            </a:xfrm>
+            <a:prstGeom prst="line">
+              <a:avLst/>
+            </a:prstGeom>
+            <a:ln w="38100">
+              <a:solidFill>
+                <a:schemeClr val="accent2">
+                  <a:lumMod val="75000"/>
+                  <a:alpha val="74118"/>
+                </a:schemeClr>
+              </a:solidFill>
+            </a:ln>
+          </p:spPr>
+          <p:style>
+            <a:lnRef idx="1">
+              <a:schemeClr val="accent1"/>
+            </a:lnRef>
+            <a:fillRef idx="0">
+              <a:schemeClr val="accent1"/>
+            </a:fillRef>
+            <a:effectRef idx="0">
+              <a:schemeClr val="accent1"/>
+            </a:effectRef>
+            <a:fontRef idx="minor">
+              <a:schemeClr val="tx1"/>
+            </a:fontRef>
+          </p:style>
+        </p:cxnSp>
+        <p:cxnSp>
+          <p:nvCxnSpPr>
+            <p:cNvPr id="65" name="Straight Connector 64"/>
+            <p:cNvCxnSpPr/>
+            <p:nvPr/>
+          </p:nvCxnSpPr>
+          <p:spPr>
+            <a:xfrm flipH="1">
+              <a:off x="3812030" y="2088108"/>
+              <a:ext cx="349566" cy="0"/>
+            </a:xfrm>
+            <a:prstGeom prst="line">
+              <a:avLst/>
+            </a:prstGeom>
+            <a:ln w="38100">
+              <a:solidFill>
+                <a:schemeClr val="accent2">
+                  <a:lumMod val="75000"/>
+                  <a:alpha val="74118"/>
+                </a:schemeClr>
+              </a:solidFill>
+            </a:ln>
+          </p:spPr>
+          <p:style>
+            <a:lnRef idx="1">
+              <a:schemeClr val="accent1"/>
+            </a:lnRef>
+            <a:fillRef idx="0">
+              <a:schemeClr val="accent1"/>
+            </a:fillRef>
+            <a:effectRef idx="0">
+              <a:schemeClr val="accent1"/>
+            </a:effectRef>
+            <a:fontRef idx="minor">
+              <a:schemeClr val="tx1"/>
+            </a:fontRef>
+          </p:style>
+        </p:cxnSp>
+        <p:cxnSp>
+          <p:nvCxnSpPr>
+            <p:cNvPr id="66" name="Straight Connector 65"/>
+            <p:cNvCxnSpPr/>
+            <p:nvPr/>
+          </p:nvCxnSpPr>
+          <p:spPr>
+            <a:xfrm flipH="1" flipV="1">
+              <a:off x="4102666" y="2088108"/>
+              <a:ext cx="506218" cy="288032"/>
+            </a:xfrm>
+            <a:prstGeom prst="line">
+              <a:avLst/>
+            </a:prstGeom>
+            <a:ln w="38100">
+              <a:solidFill>
+                <a:schemeClr val="accent2">
+                  <a:lumMod val="75000"/>
+                  <a:alpha val="74118"/>
+                </a:schemeClr>
+              </a:solidFill>
+            </a:ln>
+          </p:spPr>
+          <p:style>
+            <a:lnRef idx="1">
+              <a:schemeClr val="accent1"/>
+            </a:lnRef>
+            <a:fillRef idx="0">
+              <a:schemeClr val="accent1"/>
+            </a:fillRef>
+            <a:effectRef idx="0">
+              <a:schemeClr val="accent1"/>
+            </a:effectRef>
+            <a:fontRef idx="minor">
+              <a:schemeClr val="tx1"/>
+            </a:fontRef>
+          </p:style>
+        </p:cxnSp>
+        <p:cxnSp>
+          <p:nvCxnSpPr>
+            <p:cNvPr id="67" name="Straight Connector 66"/>
+            <p:cNvCxnSpPr/>
+            <p:nvPr/>
+          </p:nvCxnSpPr>
+          <p:spPr>
+            <a:xfrm flipH="1">
+              <a:off x="4355775" y="2376140"/>
+              <a:ext cx="253109" cy="297388"/>
+            </a:xfrm>
+            <a:prstGeom prst="line">
+              <a:avLst/>
+            </a:prstGeom>
+            <a:ln w="38100">
+              <a:solidFill>
+                <a:schemeClr val="accent2">
+                  <a:lumMod val="75000"/>
+                  <a:alpha val="74118"/>
+                </a:schemeClr>
+              </a:solidFill>
+            </a:ln>
+          </p:spPr>
+          <p:style>
+            <a:lnRef idx="1">
+              <a:schemeClr val="accent1"/>
+            </a:lnRef>
+            <a:fillRef idx="0">
+              <a:schemeClr val="accent1"/>
+            </a:fillRef>
+            <a:effectRef idx="0">
+              <a:schemeClr val="accent1"/>
+            </a:effectRef>
+            <a:fontRef idx="minor">
+              <a:schemeClr val="tx1"/>
+            </a:fontRef>
+          </p:style>
+        </p:cxnSp>
+        <p:cxnSp>
+          <p:nvCxnSpPr>
+            <p:cNvPr id="68" name="Straight Connector 67"/>
+            <p:cNvCxnSpPr/>
+            <p:nvPr/>
+          </p:nvCxnSpPr>
+          <p:spPr>
+            <a:xfrm flipH="1">
+              <a:off x="3455189" y="2076762"/>
+              <a:ext cx="354059" cy="297388"/>
+            </a:xfrm>
+            <a:prstGeom prst="line">
+              <a:avLst/>
+            </a:prstGeom>
+            <a:ln w="38100">
+              <a:solidFill>
+                <a:schemeClr val="accent2">
+                  <a:lumMod val="75000"/>
+                  <a:alpha val="74118"/>
+                </a:schemeClr>
+              </a:solidFill>
+            </a:ln>
+          </p:spPr>
+          <p:style>
+            <a:lnRef idx="1">
+              <a:schemeClr val="accent1"/>
+            </a:lnRef>
+            <a:fillRef idx="0">
+              <a:schemeClr val="accent1"/>
+            </a:fillRef>
+            <a:effectRef idx="0">
+              <a:schemeClr val="accent1"/>
+            </a:effectRef>
+            <a:fontRef idx="minor">
+              <a:schemeClr val="tx1"/>
+            </a:fontRef>
+          </p:style>
+        </p:cxnSp>
+        <p:cxnSp>
+          <p:nvCxnSpPr>
+            <p:cNvPr id="69" name="Straight Connector 68"/>
+            <p:cNvCxnSpPr/>
+            <p:nvPr/>
+          </p:nvCxnSpPr>
+          <p:spPr>
+            <a:xfrm flipH="1" flipV="1">
+              <a:off x="3427380" y="2358848"/>
+              <a:ext cx="318480" cy="314680"/>
+            </a:xfrm>
+            <a:prstGeom prst="line">
+              <a:avLst/>
+            </a:prstGeom>
+            <a:ln w="38100">
+              <a:solidFill>
+                <a:schemeClr val="accent2">
+                  <a:lumMod val="75000"/>
+                  <a:alpha val="74118"/>
+                </a:schemeClr>
+              </a:solidFill>
+            </a:ln>
+          </p:spPr>
+          <p:style>
+            <a:lnRef idx="1">
+              <a:schemeClr val="accent1"/>
+            </a:lnRef>
+            <a:fillRef idx="0">
+              <a:schemeClr val="accent1"/>
+            </a:fillRef>
+            <a:effectRef idx="0">
+              <a:schemeClr val="accent1"/>
+            </a:effectRef>
+            <a:fontRef idx="minor">
+              <a:schemeClr val="tx1"/>
+            </a:fontRef>
+          </p:style>
+        </p:cxnSp>
+        <p:cxnSp>
+          <p:nvCxnSpPr>
+            <p:cNvPr id="70" name="Straight Connector 69"/>
+            <p:cNvCxnSpPr/>
+            <p:nvPr/>
+          </p:nvCxnSpPr>
+          <p:spPr>
+            <a:xfrm>
+              <a:off x="4482329" y="3960316"/>
+              <a:ext cx="126555" cy="144016"/>
+            </a:xfrm>
+            <a:prstGeom prst="line">
+              <a:avLst/>
+            </a:prstGeom>
+            <a:ln w="38100">
+              <a:solidFill>
+                <a:schemeClr val="accent2">
+                  <a:lumMod val="75000"/>
+                  <a:alpha val="74118"/>
+                </a:schemeClr>
+              </a:solidFill>
+            </a:ln>
+          </p:spPr>
+          <p:style>
+            <a:lnRef idx="1">
+              <a:schemeClr val="accent1"/>
+            </a:lnRef>
+            <a:fillRef idx="0">
+              <a:schemeClr val="accent1"/>
+            </a:fillRef>
+            <a:effectRef idx="0">
+              <a:schemeClr val="accent1"/>
+            </a:effectRef>
+            <a:fontRef idx="minor">
+              <a:schemeClr val="tx1"/>
+            </a:fontRef>
+          </p:style>
+        </p:cxnSp>
+        <p:cxnSp>
+          <p:nvCxnSpPr>
+            <p:cNvPr id="71" name="Straight Connector 70"/>
+            <p:cNvCxnSpPr/>
+            <p:nvPr/>
+          </p:nvCxnSpPr>
+          <p:spPr>
+            <a:xfrm flipH="1" flipV="1">
+              <a:off x="4276919" y="3420088"/>
+              <a:ext cx="205410" cy="540228"/>
+            </a:xfrm>
+            <a:prstGeom prst="line">
+              <a:avLst/>
+            </a:prstGeom>
+            <a:ln w="38100">
+              <a:solidFill>
+                <a:schemeClr val="accent2">
+                  <a:lumMod val="75000"/>
+                  <a:alpha val="74118"/>
+                </a:schemeClr>
+              </a:solidFill>
+            </a:ln>
+          </p:spPr>
+          <p:style>
+            <a:lnRef idx="1">
+              <a:schemeClr val="accent1"/>
+            </a:lnRef>
+            <a:fillRef idx="0">
+              <a:schemeClr val="accent1"/>
+            </a:fillRef>
+            <a:effectRef idx="0">
+              <a:schemeClr val="accent1"/>
+            </a:effectRef>
+            <a:fontRef idx="minor">
+              <a:schemeClr val="tx1"/>
+            </a:fontRef>
+          </p:style>
+        </p:cxnSp>
+        <p:cxnSp>
+          <p:nvCxnSpPr>
+            <p:cNvPr id="72" name="Straight Connector 71"/>
+            <p:cNvCxnSpPr/>
+            <p:nvPr/>
+          </p:nvCxnSpPr>
+          <p:spPr>
+            <a:xfrm>
+              <a:off x="3944952" y="2826294"/>
+              <a:ext cx="331966" cy="593793"/>
+            </a:xfrm>
+            <a:prstGeom prst="line">
+              <a:avLst/>
+            </a:prstGeom>
+            <a:ln w="38100">
+              <a:solidFill>
+                <a:schemeClr val="accent2">
+                  <a:lumMod val="75000"/>
+                  <a:alpha val="74118"/>
+                </a:schemeClr>
+              </a:solidFill>
+            </a:ln>
+          </p:spPr>
+          <p:style>
+            <a:lnRef idx="1">
+              <a:schemeClr val="accent1"/>
+            </a:lnRef>
+            <a:fillRef idx="0">
+              <a:schemeClr val="accent1"/>
+            </a:fillRef>
+            <a:effectRef idx="0">
+              <a:schemeClr val="accent1"/>
+            </a:effectRef>
+            <a:fontRef idx="minor">
+              <a:schemeClr val="tx1"/>
+            </a:fontRef>
+          </p:style>
+        </p:cxnSp>
+      </p:grpSp>
+      <p:sp>
+        <p:nvSpPr>
+          <p:cNvPr id="89" name="Oval 88"/>
+          <p:cNvSpPr/>
+          <p:nvPr/>
+        </p:nvSpPr>
+        <p:spPr>
+          <a:xfrm>
+            <a:off x="3491977" y="2943318"/>
+            <a:ext cx="92290" cy="92290"/>
+          </a:xfrm>
+          <a:prstGeom prst="ellipse">
+            <a:avLst/>
+          </a:prstGeom>
+          <a:ln>
+            <a:noFill/>
+          </a:ln>
+        </p:spPr>
+        <p:style>
+          <a:lnRef idx="2">
+            <a:schemeClr val="accent6">
+              <a:shade val="50000"/>
+            </a:schemeClr>
+          </a:lnRef>
+          <a:fillRef idx="1">
+            <a:schemeClr val="accent6"/>
+          </a:fillRef>
+          <a:effectRef idx="0">
+            <a:schemeClr val="accent6"/>
+          </a:effectRef>
+          <a:fontRef idx="minor">
+            <a:schemeClr val="lt1"/>
+          </a:fontRef>
+        </p:style>
+        <p:txBody>
+          <a:bodyPr rtlCol="0" anchor="ctr"/>
+          <a:lstStyle/>
+          <a:p>
+            <a:pPr algn="ctr"/>
+            <a:endParaRPr lang="en-GB"/>
+          </a:p>
+        </p:txBody>
+      </p:sp>
+      <p:sp>
+        <p:nvSpPr>
+          <p:cNvPr id="90" name="Oval 89"/>
+          <p:cNvSpPr/>
+          <p:nvPr/>
+        </p:nvSpPr>
+        <p:spPr>
+          <a:xfrm>
+            <a:off x="4230774" y="2936697"/>
+            <a:ext cx="92290" cy="92290"/>
+          </a:xfrm>
+          <a:prstGeom prst="ellipse">
+            <a:avLst/>
+          </a:prstGeom>
+          <a:ln>
+            <a:noFill/>
+          </a:ln>
+        </p:spPr>
+        <p:style>
+          <a:lnRef idx="2">
+            <a:schemeClr val="accent6">
+              <a:shade val="50000"/>
+            </a:schemeClr>
+          </a:lnRef>
+          <a:fillRef idx="1">
+            <a:schemeClr val="accent6"/>
+          </a:fillRef>
+          <a:effectRef idx="0">
+            <a:schemeClr val="accent6"/>
+          </a:effectRef>
+          <a:fontRef idx="minor">
+            <a:schemeClr val="lt1"/>
+          </a:fontRef>
+        </p:style>
+        <p:txBody>
+          <a:bodyPr rtlCol="0" anchor="ctr"/>
+          <a:lstStyle/>
+          <a:p>
+            <a:pPr algn="ctr"/>
+            <a:endParaRPr lang="en-GB"/>
+          </a:p>
+        </p:txBody>
+      </p:sp>
+      <p:sp>
+        <p:nvSpPr>
+          <p:cNvPr id="91" name="Oval 90"/>
+          <p:cNvSpPr/>
+          <p:nvPr/>
+        </p:nvSpPr>
+        <p:spPr>
+          <a:xfrm>
+            <a:off x="3409045" y="3482123"/>
+            <a:ext cx="92290" cy="92290"/>
+          </a:xfrm>
+          <a:prstGeom prst="ellipse">
+            <a:avLst/>
+          </a:prstGeom>
+          <a:ln>
+            <a:noFill/>
+          </a:ln>
+        </p:spPr>
+        <p:style>
+          <a:lnRef idx="2">
+            <a:schemeClr val="accent6">
+              <a:shade val="50000"/>
+            </a:schemeClr>
+          </a:lnRef>
+          <a:fillRef idx="1">
+            <a:schemeClr val="accent6"/>
+          </a:fillRef>
+          <a:effectRef idx="0">
+            <a:schemeClr val="accent6"/>
+          </a:effectRef>
+          <a:fontRef idx="minor">
+            <a:schemeClr val="lt1"/>
+          </a:fontRef>
+        </p:style>
+        <p:txBody>
+          <a:bodyPr rtlCol="0" anchor="ctr"/>
+          <a:lstStyle/>
+          <a:p>
+            <a:pPr algn="ctr"/>
+            <a:endParaRPr lang="en-GB"/>
+          </a:p>
+        </p:txBody>
+      </p:sp>
+      <p:sp>
+        <p:nvSpPr>
+          <p:cNvPr id="92" name="Oval 91"/>
+          <p:cNvSpPr/>
+          <p:nvPr/>
+        </p:nvSpPr>
+        <p:spPr>
+          <a:xfrm>
+            <a:off x="4436184" y="3478355"/>
+            <a:ext cx="92290" cy="92290"/>
+          </a:xfrm>
+          <a:prstGeom prst="ellipse">
+            <a:avLst/>
+          </a:prstGeom>
+          <a:ln>
+            <a:noFill/>
+          </a:ln>
+        </p:spPr>
+        <p:style>
+          <a:lnRef idx="2">
+            <a:schemeClr val="accent6">
+              <a:shade val="50000"/>
+            </a:schemeClr>
+          </a:lnRef>
+          <a:fillRef idx="1">
+            <a:schemeClr val="accent6"/>
+          </a:fillRef>
+          <a:effectRef idx="0">
+            <a:schemeClr val="accent6"/>
+          </a:effectRef>
+          <a:fontRef idx="minor">
+            <a:schemeClr val="lt1"/>
+          </a:fontRef>
+        </p:style>
+        <p:txBody>
+          <a:bodyPr rtlCol="0" anchor="ctr"/>
+          <a:lstStyle/>
+          <a:p>
+            <a:pPr algn="ctr"/>
+            <a:endParaRPr lang="en-GB"/>
+          </a:p>
+        </p:txBody>
+      </p:sp>
+      <p:sp>
+        <p:nvSpPr>
+          <p:cNvPr id="93" name="Oval 92"/>
+          <p:cNvSpPr/>
+          <p:nvPr/>
+        </p:nvSpPr>
+        <p:spPr>
+          <a:xfrm>
+            <a:off x="3898807" y="2348101"/>
+            <a:ext cx="92290" cy="92290"/>
+          </a:xfrm>
+          <a:prstGeom prst="ellipse">
+            <a:avLst/>
+          </a:prstGeom>
+          <a:ln>
+            <a:noFill/>
+          </a:ln>
+        </p:spPr>
+        <p:style>
+          <a:lnRef idx="2">
+            <a:schemeClr val="accent6">
+              <a:shade val="50000"/>
+            </a:schemeClr>
+          </a:lnRef>
+          <a:fillRef idx="1">
+            <a:schemeClr val="accent6"/>
+          </a:fillRef>
+          <a:effectRef idx="0">
+            <a:schemeClr val="accent6"/>
+          </a:effectRef>
+          <a:fontRef idx="minor">
+            <a:schemeClr val="lt1"/>
+          </a:fontRef>
+        </p:style>
+        <p:txBody>
+          <a:bodyPr rtlCol="0" anchor="ctr"/>
+          <a:lstStyle/>
+          <a:p>
+            <a:pPr algn="ctr"/>
+            <a:endParaRPr lang="en-GB"/>
+          </a:p>
+        </p:txBody>
+      </p:sp>
+      <p:sp>
+        <p:nvSpPr>
+          <p:cNvPr id="94" name="Oval 93"/>
+          <p:cNvSpPr/>
+          <p:nvPr/>
+        </p:nvSpPr>
+        <p:spPr>
+          <a:xfrm>
+            <a:off x="3408796" y="1880655"/>
+            <a:ext cx="92290" cy="92290"/>
+          </a:xfrm>
+          <a:prstGeom prst="ellipse">
+            <a:avLst/>
+          </a:prstGeom>
+          <a:ln>
+            <a:noFill/>
+          </a:ln>
+        </p:spPr>
+        <p:style>
+          <a:lnRef idx="2">
+            <a:schemeClr val="accent6">
+              <a:shade val="50000"/>
+            </a:schemeClr>
+          </a:lnRef>
+          <a:fillRef idx="1">
+            <a:schemeClr val="accent6"/>
+          </a:fillRef>
+          <a:effectRef idx="0">
+            <a:schemeClr val="accent6"/>
+          </a:effectRef>
+          <a:fontRef idx="minor">
+            <a:schemeClr val="lt1"/>
+          </a:fontRef>
+        </p:style>
+        <p:txBody>
+          <a:bodyPr rtlCol="0" anchor="ctr"/>
+          <a:lstStyle/>
+          <a:p>
+            <a:pPr algn="ctr"/>
+            <a:endParaRPr lang="en-GB"/>
+          </a:p>
+        </p:txBody>
+      </p:sp>
+      <p:sp>
+        <p:nvSpPr>
+          <p:cNvPr id="95" name="Oval 94"/>
+          <p:cNvSpPr/>
+          <p:nvPr/>
+        </p:nvSpPr>
+        <p:spPr>
+          <a:xfrm>
+            <a:off x="4557097" y="1892484"/>
+            <a:ext cx="92290" cy="92290"/>
+          </a:xfrm>
+          <a:prstGeom prst="ellipse">
+            <a:avLst/>
+          </a:prstGeom>
+          <a:ln>
+            <a:noFill/>
+          </a:ln>
+        </p:spPr>
+        <p:style>
+          <a:lnRef idx="2">
+            <a:schemeClr val="accent6">
+              <a:shade val="50000"/>
+            </a:schemeClr>
+          </a:lnRef>
+          <a:fillRef idx="1">
+            <a:schemeClr val="accent6"/>
+          </a:fillRef>
+          <a:effectRef idx="0">
+            <a:schemeClr val="accent6"/>
+          </a:effectRef>
+          <a:fontRef idx="minor">
+            <a:schemeClr val="lt1"/>
+          </a:fontRef>
+        </p:style>
+        <p:txBody>
+          <a:bodyPr rtlCol="0" anchor="ctr"/>
+          <a:lstStyle/>
+          <a:p>
+            <a:pPr algn="ctr"/>
+            <a:endParaRPr lang="en-GB"/>
+          </a:p>
+        </p:txBody>
+      </p:sp>
+      <p:sp>
+        <p:nvSpPr>
+          <p:cNvPr id="96" name="Oval 95"/>
+          <p:cNvSpPr/>
+          <p:nvPr/>
+        </p:nvSpPr>
+        <p:spPr>
+          <a:xfrm>
+            <a:off x="3765885" y="1609915"/>
+            <a:ext cx="92290" cy="92290"/>
+          </a:xfrm>
+          <a:prstGeom prst="ellipse">
+            <a:avLst/>
+          </a:prstGeom>
+          <a:ln>
+            <a:noFill/>
+          </a:ln>
+        </p:spPr>
+        <p:style>
+          <a:lnRef idx="2">
+            <a:schemeClr val="accent6">
+              <a:shade val="50000"/>
+            </a:schemeClr>
+          </a:lnRef>
+          <a:fillRef idx="1">
+            <a:schemeClr val="accent6"/>
+          </a:fillRef>
+          <a:effectRef idx="0">
+            <a:schemeClr val="accent6"/>
+          </a:effectRef>
+          <a:fontRef idx="minor">
+            <a:schemeClr val="lt1"/>
+          </a:fontRef>
+        </p:style>
+        <p:txBody>
+          <a:bodyPr rtlCol="0" anchor="ctr"/>
+          <a:lstStyle/>
+          <a:p>
+            <a:pPr algn="ctr"/>
+            <a:endParaRPr lang="en-GB"/>
+          </a:p>
+        </p:txBody>
+      </p:sp>
+      <p:sp>
+        <p:nvSpPr>
+          <p:cNvPr id="97" name="Oval 96"/>
+          <p:cNvSpPr/>
+          <p:nvPr/>
+        </p:nvSpPr>
+        <p:spPr>
+          <a:xfrm>
+            <a:off x="4102666" y="1609915"/>
+            <a:ext cx="92290" cy="92290"/>
+          </a:xfrm>
+          <a:prstGeom prst="ellipse">
+            <a:avLst/>
+          </a:prstGeom>
+          <a:ln>
+            <a:noFill/>
+          </a:ln>
+        </p:spPr>
+        <p:style>
+          <a:lnRef idx="2">
+            <a:schemeClr val="accent6">
+              <a:shade val="50000"/>
+            </a:schemeClr>
+          </a:lnRef>
+          <a:fillRef idx="1">
+            <a:schemeClr val="accent6"/>
+          </a:fillRef>
+          <a:effectRef idx="0">
+            <a:schemeClr val="accent6"/>
+          </a:effectRef>
+          <a:fontRef idx="minor">
+            <a:schemeClr val="lt1"/>
+          </a:fontRef>
+        </p:style>
+        <p:txBody>
+          <a:bodyPr rtlCol="0" anchor="ctr"/>
+          <a:lstStyle/>
+          <a:p>
+            <a:pPr algn="ctr"/>
+            <a:endParaRPr lang="en-GB"/>
+          </a:p>
+        </p:txBody>
+      </p:sp>
     </p:spTree>
     <p:extLst>
       <p:ext uri="{BB962C8B-B14F-4D97-AF65-F5344CB8AC3E}">
@@ -14016,10 +14962,9 @@
           <a:lstStyle/>
           <a:p>
             <a:r>
-              <a:rPr lang="en-GB" sz="2800" dirty="0" smtClean="0"/>
+              <a:rPr lang="en-GB" sz="2800" dirty="0"/>
               <a:t>Edit</a:t>
             </a:r>
-            <a:endParaRPr lang="en-GB" sz="2800" dirty="0"/>
           </a:p>
         </p:txBody>
       </p:sp>
@@ -15044,8 +15989,8 @@
         </p:nvSpPr>
         <p:spPr>
           <a:xfrm>
-            <a:off x="144388" y="1007988"/>
-            <a:ext cx="3888432" cy="3312368"/>
+            <a:off x="144388" y="719956"/>
+            <a:ext cx="3888432" cy="3600400"/>
           </a:xfrm>
           <a:prstGeom prst="rect">
             <a:avLst/>
@@ -15131,8 +16076,8 @@
         </p:nvSpPr>
         <p:spPr>
           <a:xfrm>
-            <a:off x="2197948" y="1672242"/>
-            <a:ext cx="1745637" cy="2216066"/>
+            <a:off x="2197948" y="1404852"/>
+            <a:ext cx="1745637" cy="2483456"/>
           </a:xfrm>
           <a:prstGeom prst="rect">
             <a:avLst/>
@@ -15174,8 +16119,8 @@
         </p:nvSpPr>
         <p:spPr>
           <a:xfrm>
-            <a:off x="2197948" y="1079996"/>
-            <a:ext cx="1745637" cy="288032"/>
+            <a:off x="238744" y="778241"/>
+            <a:ext cx="3660170" cy="288032"/>
           </a:xfrm>
           <a:prstGeom prst="rect">
             <a:avLst/>
@@ -15217,7 +16162,7 @@
         </p:nvSpPr>
         <p:spPr>
           <a:xfrm>
-            <a:off x="2138094" y="1043215"/>
+            <a:off x="241482" y="734183"/>
             <a:ext cx="2012796" cy="369332"/>
           </a:xfrm>
           <a:prstGeom prst="rect">
@@ -15232,18 +16177,13 @@
           <a:lstStyle/>
           <a:p>
             <a:r>
-              <a:rPr lang="en-GB" dirty="0" smtClean="0">
+              <a:rPr lang="en-GB" dirty="0">
                 <a:solidFill>
                   <a:schemeClr val="bg1"/>
                 </a:solidFill>
               </a:rPr>
               <a:t>Bedroom</a:t>
             </a:r>
-            <a:endParaRPr lang="en-GB" dirty="0">
-              <a:solidFill>
-                <a:schemeClr val="bg1"/>
-              </a:solidFill>
-            </a:endParaRPr>
           </a:p>
         </p:txBody>
       </p:sp>
@@ -15255,7 +16195,7 @@
         </p:nvSpPr>
         <p:spPr>
           <a:xfrm>
-            <a:off x="2105370" y="1334120"/>
+            <a:off x="2105370" y="1007988"/>
             <a:ext cx="2052228" cy="353943"/>
           </a:xfrm>
           <a:prstGeom prst="rect">
@@ -15305,7 +16245,7 @@
           <a:lstStyle/>
           <a:p>
             <a:r>
-              <a:rPr lang="en-GB" sz="1700" dirty="0" smtClean="0">
+              <a:rPr lang="en-GB" sz="1700" dirty="0">
                 <a:solidFill>
                   <a:schemeClr val="accent2">
                     <a:lumMod val="50000"/>
@@ -15314,13 +16254,6 @@
               </a:rPr>
               <a:t>Smart Appliances</a:t>
             </a:r>
-            <a:endParaRPr lang="en-GB" sz="1700" dirty="0">
-              <a:solidFill>
-                <a:schemeClr val="accent2">
-                  <a:lumMod val="50000"/>
-                </a:schemeClr>
-              </a:solidFill>
-            </a:endParaRPr>
           </a:p>
         </p:txBody>
       </p:sp>
@@ -15402,10 +16335,9 @@
             <a:lstStyle/>
             <a:p>
               <a:r>
-                <a:rPr lang="en-GB" sz="2800" dirty="0" smtClean="0"/>
+                <a:rPr lang="en-GB" sz="2800" dirty="0"/>
                 <a:t>Add Room</a:t>
               </a:r>
-              <a:endParaRPr lang="en-GB" sz="2800" dirty="0"/>
             </a:p>
           </p:txBody>
         </p:sp>
@@ -15435,68 +16367,6 @@
           <a:xfrm>
             <a:off x="233623" y="1427795"/>
             <a:ext cx="1692188" cy="2460513"/>
-          </a:xfrm>
-          <a:prstGeom prst="rect">
-            <a:avLst/>
-          </a:prstGeom>
-          <a:noFill/>
-          <a:ln>
-            <a:noFill/>
-          </a:ln>
-          <a:effectLst/>
-          <a:extLst>
-            <a:ext uri="{909E8E84-426E-40DD-AFC4-6F175D3DCCD1}">
-              <a14:hiddenFill xmlns:a14="http://schemas.microsoft.com/office/drawing/2010/main">
-                <a:solidFill>
-                  <a:schemeClr val="accent1"/>
-                </a:solidFill>
-              </a14:hiddenFill>
-            </a:ext>
-            <a:ext uri="{91240B29-F687-4F45-9708-019B960494DF}">
-              <a14:hiddenLine xmlns:a14="http://schemas.microsoft.com/office/drawing/2010/main" w="9525">
-                <a:solidFill>
-                  <a:schemeClr val="tx1"/>
-                </a:solidFill>
-                <a:miter lim="800000"/>
-                <a:headEnd/>
-                <a:tailEnd/>
-              </a14:hiddenLine>
-            </a:ext>
-            <a:ext uri="{AF507438-7753-43E0-B8FC-AC1667EBCBE1}">
-              <a14:hiddenEffects xmlns:a14="http://schemas.microsoft.com/office/drawing/2010/main">
-                <a:effectLst>
-                  <a:outerShdw dist="35921" dir="2700000" algn="ctr" rotWithShape="0">
-                    <a:schemeClr val="bg2"/>
-                  </a:outerShdw>
-                </a:effectLst>
-              </a14:hiddenEffects>
-            </a:ext>
-          </a:extLst>
-        </p:spPr>
-      </p:pic>
-      <p:pic>
-        <p:nvPicPr>
-          <p:cNvPr id="47" name="Picture 2"/>
-          <p:cNvPicPr>
-            <a:picLocks noChangeAspect="1" noChangeArrowheads="1"/>
-          </p:cNvPicPr>
-          <p:nvPr/>
-        </p:nvPicPr>
-        <p:blipFill rotWithShape="1">
-          <a:blip r:embed="rId8">
-            <a:extLst>
-              <a:ext uri="{28A0092B-C50C-407E-A947-70E740481C1C}">
-                <a14:useLocalDpi xmlns:a14="http://schemas.microsoft.com/office/drawing/2010/main" val="0"/>
-              </a:ext>
-            </a:extLst>
-          </a:blip>
-          <a:srcRect b="9353"/>
-          <a:stretch/>
-        </p:blipFill>
-        <p:spPr bwMode="auto">
-          <a:xfrm>
-            <a:off x="2236157" y="1690299"/>
-            <a:ext cx="1692188" cy="2198009"/>
           </a:xfrm>
           <a:prstGeom prst="rect">
             <a:avLst/>
@@ -15687,13 +16557,82 @@
           <a:lstStyle/>
           <a:p>
             <a:r>
-              <a:rPr lang="en-GB" sz="2800" dirty="0" smtClean="0"/>
+              <a:rPr lang="en-GB" sz="2800" dirty="0"/>
               <a:t>Delete</a:t>
             </a:r>
-            <a:endParaRPr lang="en-GB" sz="2800" dirty="0"/>
           </a:p>
         </p:txBody>
       </p:sp>
+      <p:pic>
+        <p:nvPicPr>
+          <p:cNvPr id="50" name="Picture 2">
+            <a:extLst>
+              <a:ext uri="{FF2B5EF4-FFF2-40B4-BE49-F238E27FC236}">
+                <a16:creationId xmlns:a16="http://schemas.microsoft.com/office/drawing/2014/main" id="{5DE2B882-3C88-4F7E-B0BD-522F76D3B620}"/>
+              </a:ext>
+            </a:extLst>
+          </p:cNvPr>
+          <p:cNvPicPr>
+            <a:picLocks noChangeAspect="1" noChangeArrowheads="1"/>
+          </p:cNvPicPr>
+          <p:nvPr/>
+        </p:nvPicPr>
+        <p:blipFill>
+          <a:blip r:embed="rId8">
+            <a:extLst>
+              <a:ext uri="{28A0092B-C50C-407E-A947-70E740481C1C}">
+                <a14:useLocalDpi xmlns:a14="http://schemas.microsoft.com/office/drawing/2010/main" val="0"/>
+              </a:ext>
+            </a:extLst>
+          </a:blip>
+          <a:srcRect/>
+          <a:stretch>
+            <a:fillRect/>
+          </a:stretch>
+        </p:blipFill>
+        <p:spPr bwMode="auto">
+          <a:xfrm>
+            <a:off x="2206146" y="1420241"/>
+            <a:ext cx="1711494" cy="2460513"/>
+          </a:xfrm>
+          <a:prstGeom prst="rect">
+            <a:avLst/>
+          </a:prstGeom>
+          <a:noFill/>
+          <a:ln>
+            <a:noFill/>
+          </a:ln>
+          <a:effectLst/>
+          <a:extLst>
+            <a:ext uri="{909E8E84-426E-40DD-AFC4-6F175D3DCCD1}">
+              <a14:hiddenFill xmlns:a14="http://schemas.microsoft.com/office/drawing/2010/main">
+                <a:solidFill>
+                  <a:schemeClr val="accent1"/>
+                </a:solidFill>
+              </a14:hiddenFill>
+            </a:ext>
+            <a:ext uri="{91240B29-F687-4F45-9708-019B960494DF}">
+              <a14:hiddenLine xmlns:a14="http://schemas.microsoft.com/office/drawing/2010/main" w="9525">
+                <a:solidFill>
+                  <a:schemeClr val="tx1"/>
+                </a:solidFill>
+                <a:miter lim="800000"/>
+                <a:headEnd/>
+                <a:tailEnd/>
+              </a14:hiddenLine>
+            </a:ext>
+            <a:ext uri="{AF507438-7753-43E0-B8FC-AC1667EBCBE1}">
+              <a14:hiddenEffects xmlns:a14="http://schemas.microsoft.com/office/drawing/2010/main">
+                <a:effectLst>
+                  <a:outerShdw dist="35921" dir="2700000" algn="ctr" rotWithShape="0">
+                    <a:schemeClr val="bg2"/>
+                  </a:outerShdw>
+                </a:effectLst>
+              </a14:hiddenEffects>
+            </a:ext>
+          </a:extLst>
+        </p:spPr>
+      </p:pic>
     </p:spTree>
     <p:extLst>
       <p:ext uri="{BB962C8B-B14F-4D97-AF65-F5344CB8AC3E}">
@@ -17634,10 +18573,9 @@
           <a:lstStyle/>
           <a:p>
             <a:r>
-              <a:rPr lang="en-GB" sz="2800" dirty="0" smtClean="0"/>
+              <a:rPr lang="en-GB" sz="2800" dirty="0"/>
               <a:t>Change</a:t>
             </a:r>
-            <a:endParaRPr lang="en-GB" sz="2800" dirty="0"/>
           </a:p>
         </p:txBody>
       </p:sp>
@@ -17792,7 +18730,7 @@
           <a:lstStyle/>
           <a:p>
             <a:r>
-              <a:rPr lang="en-GB" sz="1600" dirty="0" smtClean="0">
+              <a:rPr lang="en-GB" sz="1600" dirty="0">
                 <a:solidFill>
                   <a:schemeClr val="accent3">
                     <a:lumMod val="50000"/>
@@ -17801,13 +18739,6 @@
               </a:rPr>
               <a:t>Monday</a:t>
             </a:r>
-            <a:endParaRPr lang="en-GB" sz="1600" dirty="0">
-              <a:solidFill>
-                <a:schemeClr val="accent3">
-                  <a:lumMod val="50000"/>
-                </a:schemeClr>
-              </a:solidFill>
-            </a:endParaRPr>
           </a:p>
         </p:txBody>
       </p:sp>
@@ -17834,7 +18765,7 @@
           <a:lstStyle/>
           <a:p>
             <a:r>
-              <a:rPr lang="en-GB" sz="1600" dirty="0" smtClean="0">
+              <a:rPr lang="en-GB" sz="1600" dirty="0">
                 <a:solidFill>
                   <a:schemeClr val="accent3">
                     <a:lumMod val="50000"/>
@@ -17843,13 +18774,6 @@
               </a:rPr>
               <a:t>Tuesday</a:t>
             </a:r>
-            <a:endParaRPr lang="en-GB" sz="1600" dirty="0">
-              <a:solidFill>
-                <a:schemeClr val="accent3">
-                  <a:lumMod val="50000"/>
-                </a:schemeClr>
-              </a:solidFill>
-            </a:endParaRPr>
           </a:p>
         </p:txBody>
       </p:sp>
@@ -17876,7 +18800,7 @@
           <a:lstStyle/>
           <a:p>
             <a:r>
-              <a:rPr lang="en-GB" sz="1600" dirty="0" smtClean="0">
+              <a:rPr lang="en-GB" sz="1600" dirty="0">
                 <a:solidFill>
                   <a:schemeClr val="accent3">
                     <a:lumMod val="50000"/>
@@ -17885,13 +18809,6 @@
               </a:rPr>
               <a:t>Wednesday</a:t>
             </a:r>
-            <a:endParaRPr lang="en-GB" sz="1600" dirty="0">
-              <a:solidFill>
-                <a:schemeClr val="accent3">
-                  <a:lumMod val="50000"/>
-                </a:schemeClr>
-              </a:solidFill>
-            </a:endParaRPr>
           </a:p>
         </p:txBody>
       </p:sp>
@@ -17918,32 +18835,15 @@
           <a:lstStyle/>
           <a:p>
             <a:r>
-              <a:rPr lang="en-GB" sz="1600" dirty="0" smtClean="0">
+              <a:rPr lang="en-GB" sz="1600" dirty="0">
                 <a:solidFill>
                   <a:schemeClr val="accent3">
                     <a:lumMod val="50000"/>
                   </a:schemeClr>
                 </a:solidFill>
               </a:rPr>
-              <a:t>Thursda</a:t>
+              <a:t>Thursday</a:t>
             </a:r>
-            <a:r>
-              <a:rPr lang="en-GB" sz="1600" dirty="0" smtClean="0">
-                <a:solidFill>
-                  <a:schemeClr val="accent3">
-                    <a:lumMod val="50000"/>
-                  </a:schemeClr>
-                </a:solidFill>
-              </a:rPr>
-              <a:t>y</a:t>
-            </a:r>
-            <a:endParaRPr lang="en-GB" sz="1600" dirty="0">
-              <a:solidFill>
-                <a:schemeClr val="accent3">
-                  <a:lumMod val="50000"/>
-                </a:schemeClr>
-              </a:solidFill>
-            </a:endParaRPr>
           </a:p>
         </p:txBody>
       </p:sp>
@@ -17970,7 +18870,7 @@
           <a:lstStyle/>
           <a:p>
             <a:r>
-              <a:rPr lang="en-GB" sz="1600" dirty="0" smtClean="0">
+              <a:rPr lang="en-GB" sz="1600" dirty="0">
                 <a:solidFill>
                   <a:schemeClr val="accent3">
                     <a:lumMod val="50000"/>
@@ -17979,13 +18879,6 @@
               </a:rPr>
               <a:t>Friday</a:t>
             </a:r>
-            <a:endParaRPr lang="en-GB" sz="1600" dirty="0">
-              <a:solidFill>
-                <a:schemeClr val="accent3">
-                  <a:lumMod val="50000"/>
-                </a:schemeClr>
-              </a:solidFill>
-            </a:endParaRPr>
           </a:p>
         </p:txBody>
       </p:sp>
@@ -18012,7 +18905,7 @@
           <a:lstStyle/>
           <a:p>
             <a:r>
-              <a:rPr lang="en-GB" sz="1600" dirty="0" smtClean="0">
+              <a:rPr lang="en-GB" sz="1600" dirty="0">
                 <a:solidFill>
                   <a:schemeClr val="accent3">
                     <a:lumMod val="50000"/>
@@ -18021,13 +18914,6 @@
               </a:rPr>
               <a:t>Saturday</a:t>
             </a:r>
-            <a:endParaRPr lang="en-GB" sz="1600" dirty="0">
-              <a:solidFill>
-                <a:schemeClr val="accent3">
-                  <a:lumMod val="50000"/>
-                </a:schemeClr>
-              </a:solidFill>
-            </a:endParaRPr>
           </a:p>
         </p:txBody>
       </p:sp>
@@ -18054,7 +18940,7 @@
           <a:lstStyle/>
           <a:p>
             <a:r>
-              <a:rPr lang="en-GB" sz="1600" dirty="0" smtClean="0">
+              <a:rPr lang="en-GB" sz="1600" dirty="0">
                 <a:solidFill>
                   <a:schemeClr val="accent3">
                     <a:lumMod val="50000"/>
@@ -18063,13 +18949,6 @@
               </a:rPr>
               <a:t>Sunday</a:t>
             </a:r>
-            <a:endParaRPr lang="en-GB" sz="1600" dirty="0">
-              <a:solidFill>
-                <a:schemeClr val="accent3">
-                  <a:lumMod val="50000"/>
-                </a:schemeClr>
-              </a:solidFill>
-            </a:endParaRPr>
           </a:p>
         </p:txBody>
       </p:sp>
@@ -18295,10 +19174,7 @@
             <a:avLst/>
           </a:prstGeom>
           <a:solidFill>
-            <a:schemeClr val="accent3">
-              <a:lumMod val="40000"/>
-              <a:lumOff val="60000"/>
-            </a:schemeClr>
+            <a:schemeClr val="tx1"/>
           </a:solidFill>
         </p:spPr>
         <p:style>
@@ -18416,10 +19292,7 @@
             <a:avLst/>
           </a:prstGeom>
           <a:solidFill>
-            <a:schemeClr val="accent3">
-              <a:lumMod val="40000"/>
-              <a:lumOff val="60000"/>
-            </a:schemeClr>
+            <a:schemeClr val="tx1"/>
           </a:solidFill>
         </p:spPr>
         <p:style>
@@ -18441,7 +19314,7 @@
           <a:lstStyle/>
           <a:p>
             <a:pPr algn="ctr"/>
-            <a:endParaRPr lang="en-GB"/>
+            <a:endParaRPr lang="en-GB" dirty="0"/>
           </a:p>
         </p:txBody>
       </p:sp>
@@ -18686,10 +19559,9 @@
           <a:lstStyle/>
           <a:p>
             <a:r>
-              <a:rPr lang="en-GB" sz="2800" dirty="0" smtClean="0"/>
+              <a:rPr lang="en-GB" sz="2800" dirty="0"/>
               <a:t>Add</a:t>
             </a:r>
-            <a:endParaRPr lang="en-GB" sz="2800" dirty="0"/>
           </a:p>
         </p:txBody>
       </p:sp>

--- a/story_board.pptx
+++ b/story_board.pptx
@@ -150,7 +150,7 @@
   <pc:docChgLst>
     <pc:chgData name="Sam Haley" userId="2921b71b9664ecdd" providerId="LiveId" clId="{FFFBFD1D-68D7-4546-855C-F88283A751C7}"/>
     <pc:docChg chg="undo custSel addSld modSld sldOrd">
-      <pc:chgData name="Sam Haley" userId="2921b71b9664ecdd" providerId="LiveId" clId="{FFFBFD1D-68D7-4546-855C-F88283A751C7}" dt="2019-01-31T12:37:43.296" v="86" actId="14100"/>
+      <pc:chgData name="Sam Haley" userId="2921b71b9664ecdd" providerId="LiveId" clId="{FFFBFD1D-68D7-4546-855C-F88283A751C7}" dt="2019-01-31T12:59:31.252" v="119" actId="1037"/>
       <pc:docMkLst>
         <pc:docMk/>
       </pc:docMkLst>
@@ -202,11 +202,27 @@
         </pc:picChg>
       </pc:sldChg>
       <pc:sldChg chg="modSp">
-        <pc:chgData name="Sam Haley" userId="2921b71b9664ecdd" providerId="LiveId" clId="{FFFBFD1D-68D7-4546-855C-F88283A751C7}" dt="2019-01-31T12:26:14.725" v="40" actId="207"/>
+        <pc:chgData name="Sam Haley" userId="2921b71b9664ecdd" providerId="LiveId" clId="{FFFBFD1D-68D7-4546-855C-F88283A751C7}" dt="2019-01-31T12:58:24.509" v="90" actId="207"/>
         <pc:sldMkLst>
           <pc:docMk/>
           <pc:sldMk cId="4028656251" sldId="261"/>
         </pc:sldMkLst>
+        <pc:spChg chg="mod">
+          <ac:chgData name="Sam Haley" userId="2921b71b9664ecdd" providerId="LiveId" clId="{FFFBFD1D-68D7-4546-855C-F88283A751C7}" dt="2019-01-31T12:58:09.772" v="88" actId="207"/>
+          <ac:spMkLst>
+            <pc:docMk/>
+            <pc:sldMk cId="4028656251" sldId="261"/>
+            <ac:spMk id="5" creationId="{00000000-0000-0000-0000-000000000000}"/>
+          </ac:spMkLst>
+        </pc:spChg>
+        <pc:spChg chg="mod">
+          <ac:chgData name="Sam Haley" userId="2921b71b9664ecdd" providerId="LiveId" clId="{FFFBFD1D-68D7-4546-855C-F88283A751C7}" dt="2019-01-31T12:58:04.187" v="87" actId="207"/>
+          <ac:spMkLst>
+            <pc:docMk/>
+            <pc:sldMk cId="4028656251" sldId="261"/>
+            <ac:spMk id="9" creationId="{00000000-0000-0000-0000-000000000000}"/>
+          </ac:spMkLst>
+        </pc:spChg>
         <pc:spChg chg="mod">
           <ac:chgData name="Sam Haley" userId="2921b71b9664ecdd" providerId="LiveId" clId="{FFFBFD1D-68D7-4546-855C-F88283A751C7}" dt="2019-01-29T12:32:41.348" v="11" actId="1035"/>
           <ac:spMkLst>
@@ -221,6 +237,22 @@
             <pc:docMk/>
             <pc:sldMk cId="4028656251" sldId="261"/>
             <ac:spMk id="11" creationId="{00000000-0000-0000-0000-000000000000}"/>
+          </ac:spMkLst>
+        </pc:spChg>
+        <pc:spChg chg="mod">
+          <ac:chgData name="Sam Haley" userId="2921b71b9664ecdd" providerId="LiveId" clId="{FFFBFD1D-68D7-4546-855C-F88283A751C7}" dt="2019-01-31T12:58:24.509" v="90" actId="207"/>
+          <ac:spMkLst>
+            <pc:docMk/>
+            <pc:sldMk cId="4028656251" sldId="261"/>
+            <ac:spMk id="12" creationId="{00000000-0000-0000-0000-000000000000}"/>
+          </ac:spMkLst>
+        </pc:spChg>
+        <pc:spChg chg="mod">
+          <ac:chgData name="Sam Haley" userId="2921b71b9664ecdd" providerId="LiveId" clId="{FFFBFD1D-68D7-4546-855C-F88283A751C7}" dt="2019-01-31T12:58:14.298" v="89" actId="207"/>
+          <ac:spMkLst>
+            <pc:docMk/>
+            <pc:sldMk cId="4028656251" sldId="261"/>
+            <ac:spMk id="14" creationId="{00000000-0000-0000-0000-000000000000}"/>
           </ac:spMkLst>
         </pc:spChg>
         <pc:spChg chg="mod">
@@ -480,6 +512,21 @@
             <pc:docMk/>
             <pc:sldMk cId="1062007345" sldId="266"/>
             <ac:spMk id="3" creationId="{3F2B5A9E-30B9-4EEB-AC61-C6A0B7D31FF0}"/>
+          </ac:spMkLst>
+        </pc:spChg>
+      </pc:sldChg>
+      <pc:sldChg chg="modSp">
+        <pc:chgData name="Sam Haley" userId="2921b71b9664ecdd" providerId="LiveId" clId="{FFFBFD1D-68D7-4546-855C-F88283A751C7}" dt="2019-01-31T12:59:31.252" v="119" actId="1037"/>
+        <pc:sldMkLst>
+          <pc:docMk/>
+          <pc:sldMk cId="2795843130" sldId="267"/>
+        </pc:sldMkLst>
+        <pc:spChg chg="mod">
+          <ac:chgData name="Sam Haley" userId="2921b71b9664ecdd" providerId="LiveId" clId="{FFFBFD1D-68D7-4546-855C-F88283A751C7}" dt="2019-01-31T12:59:31.252" v="119" actId="1037"/>
+          <ac:spMkLst>
+            <pc:docMk/>
+            <pc:sldMk cId="2795843130" sldId="267"/>
+            <ac:spMk id="4" creationId="{00000000-0000-0000-0000-000000000000}"/>
           </ac:spMkLst>
         </pc:spChg>
       </pc:sldChg>
@@ -5395,10 +5442,7 @@
             <a:avLst/>
           </a:prstGeom>
           <a:solidFill>
-            <a:schemeClr val="accent3">
-              <a:lumMod val="40000"/>
-              <a:lumOff val="60000"/>
-            </a:schemeClr>
+            <a:schemeClr val="tx1"/>
           </a:solidFill>
         </p:spPr>
         <p:style>
@@ -5684,10 +5728,7 @@
             <a:avLst/>
           </a:prstGeom>
           <a:solidFill>
-            <a:schemeClr val="accent3">
-              <a:lumMod val="40000"/>
-              <a:lumOff val="60000"/>
-            </a:schemeClr>
+            <a:schemeClr val="tx1"/>
           </a:solidFill>
         </p:spPr>
         <p:style>
@@ -5843,10 +5884,7 @@
             <a:avLst/>
           </a:prstGeom>
           <a:solidFill>
-            <a:schemeClr val="accent3">
-              <a:lumMod val="40000"/>
-              <a:lumOff val="60000"/>
-            </a:schemeClr>
+            <a:schemeClr val="tx1"/>
           </a:solidFill>
         </p:spPr>
         <p:style>
@@ -6974,7 +7012,7 @@
           <a:p>
             <a:r>
               <a:rPr lang="en-GB" sz="4000" dirty="0"/>
-              <a:t>Personalisation </a:t>
+              <a:t>Settings </a:t>
             </a:r>
           </a:p>
         </p:txBody>

--- a/story_board.pptx
+++ b/story_board.pptx
@@ -120,7 +120,7 @@
   </p:defaultTextStyle>
   <p:extLst>
     <p:ext uri="{EFAFB233-063F-42B5-8137-9DF3F51BA10A}">
-      <p15:sldGuideLst xmlns:p15="http://schemas.microsoft.com/office/powerpoint/2012/main">
+      <p15:sldGuideLst xmlns:p15="http://schemas.microsoft.com/office/powerpoint/2012/main" xmlns="">
         <p15:guide id="1" orient="horz" pos="1588">
           <p15:clr>
             <a:srgbClr val="A4A3A4"/>
@@ -9462,8 +9462,8 @@
           </p:nvSpPr>
           <p:spPr>
             <a:xfrm>
-              <a:off x="332494" y="2150824"/>
-              <a:ext cx="1684102" cy="369332"/>
+              <a:off x="360412" y="2178987"/>
+              <a:ext cx="1684102" cy="1107996"/>
             </a:xfrm>
             <a:prstGeom prst="rect">
               <a:avLst/>
@@ -9477,17 +9477,46 @@
             <a:lstStyle/>
             <a:p>
               <a:r>
-                <a:rPr lang="en-GB" sz="1200" dirty="0">
+                <a:rPr lang="en-GB" sz="1100" dirty="0" smtClean="0">
                   <a:solidFill>
                     <a:schemeClr val="bg1"/>
                   </a:solidFill>
                 </a:rPr>
-                <a:t>Description</a:t>
+                <a:t>Tai </a:t>
               </a:r>
               <a:r>
-                <a:rPr lang="en-GB" dirty="0"/>
-                <a:t> </a:t>
+                <a:rPr lang="en-GB" sz="1100" dirty="0">
+                  <a:solidFill>
+                    <a:schemeClr val="bg1"/>
+                  </a:solidFill>
+                </a:rPr>
+                <a:t>Chi </a:t>
               </a:r>
+              <a:r>
+                <a:rPr lang="en-GB" sz="1100" dirty="0" smtClean="0">
+                  <a:solidFill>
+                    <a:schemeClr val="bg1"/>
+                  </a:solidFill>
+                </a:rPr>
+                <a:t>,be </a:t>
+              </a:r>
+              <a:r>
+                <a:rPr lang="en-GB" sz="1100" dirty="0">
+                  <a:solidFill>
+                    <a:schemeClr val="bg1"/>
+                  </a:solidFill>
+                </a:rPr>
+                <a:t>mindful of your body’s movements as well as your breathing and the sensations that your body is experiencing. Try to move </a:t>
+              </a:r>
+              <a:r>
+                <a:rPr lang="en-GB" sz="1100" dirty="0" smtClean="0">
+                  <a:solidFill>
+                    <a:schemeClr val="bg1"/>
+                  </a:solidFill>
+                </a:rPr>
+                <a:t>like water</a:t>
+              </a:r>
+              <a:endParaRPr lang="en-GB" sz="1600" dirty="0"/>
             </a:p>
           </p:txBody>
         </p:sp>
@@ -16606,7 +16635,7 @@
           <p:cNvPr id="50" name="Picture 2">
             <a:extLst>
               <a:ext uri="{FF2B5EF4-FFF2-40B4-BE49-F238E27FC236}">
-                <a16:creationId xmlns:a16="http://schemas.microsoft.com/office/drawing/2014/main" id="{5DE2B882-3C88-4F7E-B0BD-522F76D3B620}"/>
+                <a16:creationId xmlns:a16="http://schemas.microsoft.com/office/drawing/2014/main" xmlns="" id="{5DE2B882-3C88-4F7E-B0BD-522F76D3B620}"/>
               </a:ext>
             </a:extLst>
           </p:cNvPr>

--- a/story_board.pptx
+++ b/story_board.pptx
@@ -5,7 +5,7 @@
     <p:sldMasterId id="2147483648" r:id="rId1"/>
   </p:sldMasterIdLst>
   <p:notesMasterIdLst>
-    <p:notesMasterId r:id="rId14"/>
+    <p:notesMasterId r:id="rId15"/>
   </p:notesMasterIdLst>
   <p:sldIdLst>
     <p:sldId id="256" r:id="rId2"/>
@@ -17,12 +17,13 @@
     <p:sldId id="262" r:id="rId8"/>
     <p:sldId id="259" r:id="rId9"/>
     <p:sldId id="264" r:id="rId10"/>
-    <p:sldId id="261" r:id="rId11"/>
-    <p:sldId id="266" r:id="rId12"/>
-    <p:sldId id="267" r:id="rId13"/>
+    <p:sldId id="269" r:id="rId11"/>
+    <p:sldId id="261" r:id="rId12"/>
+    <p:sldId id="266" r:id="rId13"/>
+    <p:sldId id="267" r:id="rId14"/>
   </p:sldIdLst>
   <p:sldSz cx="7921625" cy="5040313"/>
-  <p:notesSz cx="6858000" cy="9144000"/>
+  <p:notesSz cx="9144000" cy="6858000"/>
   <p:defaultTextStyle>
     <a:defPPr>
       <a:defRPr lang="en-US"/>
@@ -120,7 +121,7 @@
   </p:defaultTextStyle>
   <p:extLst>
     <p:ext uri="{EFAFB233-063F-42B5-8137-9DF3F51BA10A}">
-      <p15:sldGuideLst xmlns:p15="http://schemas.microsoft.com/office/powerpoint/2012/main" xmlns="">
+      <p15:sldGuideLst xmlns:p15="http://schemas.microsoft.com/office/powerpoint/2012/main">
         <p15:guide id="1" orient="horz" pos="1588">
           <p15:clr>
             <a:srgbClr val="A4A3A4"/>
@@ -570,7 +571,7 @@
         <p:spPr>
           <a:xfrm>
             <a:off x="0" y="0"/>
-            <a:ext cx="2971800" cy="457200"/>
+            <a:ext cx="3962400" cy="342900"/>
           </a:xfrm>
           <a:prstGeom prst="rect">
             <a:avLst/>
@@ -600,8 +601,8 @@
         </p:nvSpPr>
         <p:spPr>
           <a:xfrm>
-            <a:off x="3884613" y="0"/>
-            <a:ext cx="2971800" cy="457200"/>
+            <a:off x="5179484" y="0"/>
+            <a:ext cx="3962400" cy="342900"/>
           </a:xfrm>
           <a:prstGeom prst="rect">
             <a:avLst/>
@@ -617,7 +618,7 @@
           <a:p>
             <a:fld id="{3A7B8944-D729-4870-9941-0AB49AD46049}" type="datetimeFigureOut">
               <a:rPr lang="en-GB" smtClean="0"/>
-              <a:t>31/01/2019</a:t>
+              <a:t>01/02/2019</a:t>
             </a:fld>
             <a:endParaRPr lang="en-GB"/>
           </a:p>
@@ -635,8 +636,8 @@
         </p:nvSpPr>
         <p:spPr>
           <a:xfrm>
-            <a:off x="735013" y="685800"/>
-            <a:ext cx="5387975" cy="3429000"/>
+            <a:off x="2551113" y="514350"/>
+            <a:ext cx="4041775" cy="2571750"/>
           </a:xfrm>
           <a:prstGeom prst="rect">
             <a:avLst/>
@@ -668,8 +669,8 @@
         </p:nvSpPr>
         <p:spPr>
           <a:xfrm>
-            <a:off x="685800" y="4343400"/>
-            <a:ext cx="5486400" cy="4114800"/>
+            <a:off x="914400" y="3257550"/>
+            <a:ext cx="7315200" cy="3086100"/>
           </a:xfrm>
           <a:prstGeom prst="rect">
             <a:avLst/>
@@ -728,8 +729,8 @@
         </p:nvSpPr>
         <p:spPr>
           <a:xfrm>
-            <a:off x="0" y="8685213"/>
-            <a:ext cx="2971800" cy="457200"/>
+            <a:off x="0" y="6513910"/>
+            <a:ext cx="3962400" cy="342900"/>
           </a:xfrm>
           <a:prstGeom prst="rect">
             <a:avLst/>
@@ -759,8 +760,8 @@
         </p:nvSpPr>
         <p:spPr>
           <a:xfrm>
-            <a:off x="3884613" y="8685213"/>
-            <a:ext cx="2971800" cy="457200"/>
+            <a:off x="5179484" y="6513910"/>
+            <a:ext cx="3962400" cy="342900"/>
           </a:xfrm>
           <a:prstGeom prst="rect">
             <a:avLst/>
@@ -1019,12 +1020,28 @@
             </a:pPr>
             <a:r>
               <a:rPr lang="en-GB" dirty="0"/>
-              <a:t>Detailed</a:t>
+              <a:t>can</a:t>
             </a:r>
             <a:r>
               <a:rPr lang="en-GB" baseline="0" dirty="0"/>
-              <a:t> notes on medication</a:t>
+              <a:t> search for drugs to add to list</a:t>
             </a:r>
+          </a:p>
+          <a:p>
+            <a:pPr marL="171450" indent="-171450">
+              <a:buFont typeface="Arial" panose="020B0604020202020204" pitchFamily="34" charset="0"/>
+              <a:buChar char="•"/>
+            </a:pPr>
+            <a:r>
+              <a:rPr lang="en-GB" baseline="0" dirty="0"/>
+              <a:t>To be used mostly by doctors</a:t>
+            </a:r>
+          </a:p>
+          <a:p>
+            <a:pPr marL="0" indent="0">
+              <a:buFont typeface="Arial" panose="020B0604020202020204" pitchFamily="34" charset="0"/>
+              <a:buNone/>
+            </a:pPr>
             <a:endParaRPr lang="en-GB" dirty="0"/>
           </a:p>
         </p:txBody>
@@ -1055,7 +1072,7 @@
     </p:spTree>
     <p:extLst>
       <p:ext uri="{BB962C8B-B14F-4D97-AF65-F5344CB8AC3E}">
-        <p14:creationId xmlns:p14="http://schemas.microsoft.com/office/powerpoint/2010/main" val="3706537953"/>
+        <p14:creationId xmlns:p14="http://schemas.microsoft.com/office/powerpoint/2010/main" val="108629331"/>
       </p:ext>
     </p:extLst>
   </p:cSld>
@@ -1109,6 +1126,186 @@
           <a:bodyPr/>
           <a:lstStyle/>
           <a:p>
+            <a:pPr marL="171450" indent="-171450">
+              <a:buFont typeface="Arial" panose="020B0604020202020204" pitchFamily="34" charset="0"/>
+              <a:buChar char="•"/>
+            </a:pPr>
+            <a:r>
+              <a:rPr lang="en-GB" dirty="0"/>
+              <a:t>Detailed</a:t>
+            </a:r>
+            <a:r>
+              <a:rPr lang="en-GB" baseline="0" dirty="0"/>
+              <a:t> notes on medication</a:t>
+            </a:r>
+            <a:endParaRPr lang="en-GB" dirty="0"/>
+          </a:p>
+        </p:txBody>
+      </p:sp>
+      <p:sp>
+        <p:nvSpPr>
+          <p:cNvPr id="4" name="Slide Number Placeholder 3"/>
+          <p:cNvSpPr>
+            <a:spLocks noGrp="1"/>
+          </p:cNvSpPr>
+          <p:nvPr>
+            <p:ph type="sldNum" sz="quarter" idx="10"/>
+          </p:nvPr>
+        </p:nvSpPr>
+        <p:spPr/>
+        <p:txBody>
+          <a:bodyPr/>
+          <a:lstStyle/>
+          <a:p>
+            <a:fld id="{4B3AC914-8EE0-4F94-AD22-ABF5CD3ADD26}" type="slidenum">
+              <a:rPr lang="en-GB" smtClean="0"/>
+              <a:t>11</a:t>
+            </a:fld>
+            <a:endParaRPr lang="en-GB"/>
+          </a:p>
+        </p:txBody>
+      </p:sp>
+    </p:spTree>
+    <p:extLst>
+      <p:ext uri="{BB962C8B-B14F-4D97-AF65-F5344CB8AC3E}">
+        <p14:creationId xmlns:p14="http://schemas.microsoft.com/office/powerpoint/2010/main" val="3706537953"/>
+      </p:ext>
+    </p:extLst>
+  </p:cSld>
+  <p:clrMapOvr>
+    <a:masterClrMapping/>
+  </p:clrMapOvr>
+</p:notes>
+</file>
+
+<file path=ppt/notesSlides/notesSlide12.xml><?xml version="1.0" encoding="utf-8"?>
+<p:notes xmlns:a="http://schemas.openxmlformats.org/drawingml/2006/main" xmlns:r="http://schemas.openxmlformats.org/officeDocument/2006/relationships" xmlns:p="http://schemas.openxmlformats.org/presentationml/2006/main">
+  <p:cSld>
+    <p:spTree>
+      <p:nvGrpSpPr>
+        <p:cNvPr id="1" name=""/>
+        <p:cNvGrpSpPr/>
+        <p:nvPr/>
+      </p:nvGrpSpPr>
+      <p:grpSpPr>
+        <a:xfrm>
+          <a:off x="0" y="0"/>
+          <a:ext cx="0" cy="0"/>
+          <a:chOff x="0" y="0"/>
+          <a:chExt cx="0" cy="0"/>
+        </a:xfrm>
+      </p:grpSpPr>
+      <p:sp>
+        <p:nvSpPr>
+          <p:cNvPr id="2" name="Slide Image Placeholder 1"/>
+          <p:cNvSpPr>
+            <a:spLocks noGrp="1" noRot="1" noChangeAspect="1"/>
+          </p:cNvSpPr>
+          <p:nvPr>
+            <p:ph type="sldImg"/>
+          </p:nvPr>
+        </p:nvSpPr>
+        <p:spPr/>
+      </p:sp>
+      <p:sp>
+        <p:nvSpPr>
+          <p:cNvPr id="3" name="Notes Placeholder 2"/>
+          <p:cNvSpPr>
+            <a:spLocks noGrp="1"/>
+          </p:cNvSpPr>
+          <p:nvPr>
+            <p:ph type="body" idx="1"/>
+          </p:nvPr>
+        </p:nvSpPr>
+        <p:spPr/>
+        <p:txBody>
+          <a:bodyPr/>
+          <a:lstStyle/>
+          <a:p>
+            <a:endParaRPr lang="en-GB"/>
+          </a:p>
+        </p:txBody>
+      </p:sp>
+      <p:sp>
+        <p:nvSpPr>
+          <p:cNvPr id="4" name="Slide Number Placeholder 3"/>
+          <p:cNvSpPr>
+            <a:spLocks noGrp="1"/>
+          </p:cNvSpPr>
+          <p:nvPr>
+            <p:ph type="sldNum" sz="quarter" idx="5"/>
+          </p:nvPr>
+        </p:nvSpPr>
+        <p:spPr/>
+        <p:txBody>
+          <a:bodyPr/>
+          <a:lstStyle/>
+          <a:p>
+            <a:fld id="{4B3AC914-8EE0-4F94-AD22-ABF5CD3ADD26}" type="slidenum">
+              <a:rPr lang="en-GB" smtClean="0"/>
+              <a:t>12</a:t>
+            </a:fld>
+            <a:endParaRPr lang="en-GB"/>
+          </a:p>
+        </p:txBody>
+      </p:sp>
+    </p:spTree>
+    <p:extLst>
+      <p:ext uri="{BB962C8B-B14F-4D97-AF65-F5344CB8AC3E}">
+        <p14:creationId xmlns:p14="http://schemas.microsoft.com/office/powerpoint/2010/main" val="613538682"/>
+      </p:ext>
+    </p:extLst>
+  </p:cSld>
+  <p:clrMapOvr>
+    <a:masterClrMapping/>
+  </p:clrMapOvr>
+</p:notes>
+</file>
+
+<file path=ppt/notesSlides/notesSlide13.xml><?xml version="1.0" encoding="utf-8"?>
+<p:notes xmlns:a="http://schemas.openxmlformats.org/drawingml/2006/main" xmlns:r="http://schemas.openxmlformats.org/officeDocument/2006/relationships" xmlns:p="http://schemas.openxmlformats.org/presentationml/2006/main">
+  <p:cSld>
+    <p:spTree>
+      <p:nvGrpSpPr>
+        <p:cNvPr id="1" name=""/>
+        <p:cNvGrpSpPr/>
+        <p:nvPr/>
+      </p:nvGrpSpPr>
+      <p:grpSpPr>
+        <a:xfrm>
+          <a:off x="0" y="0"/>
+          <a:ext cx="0" cy="0"/>
+          <a:chOff x="0" y="0"/>
+          <a:chExt cx="0" cy="0"/>
+        </a:xfrm>
+      </p:grpSpPr>
+      <p:sp>
+        <p:nvSpPr>
+          <p:cNvPr id="2" name="Slide Image Placeholder 1"/>
+          <p:cNvSpPr>
+            <a:spLocks noGrp="1" noRot="1" noChangeAspect="1"/>
+          </p:cNvSpPr>
+          <p:nvPr>
+            <p:ph type="sldImg"/>
+          </p:nvPr>
+        </p:nvSpPr>
+        <p:spPr/>
+      </p:sp>
+      <p:sp>
+        <p:nvSpPr>
+          <p:cNvPr id="3" name="Notes Placeholder 2"/>
+          <p:cNvSpPr>
+            <a:spLocks noGrp="1"/>
+          </p:cNvSpPr>
+          <p:nvPr>
+            <p:ph type="body" idx="1"/>
+          </p:nvPr>
+        </p:nvSpPr>
+        <p:spPr/>
+        <p:txBody>
+          <a:bodyPr/>
+          <a:lstStyle/>
+          <a:p>
             <a:r>
               <a:rPr lang="en-GB" dirty="0"/>
               <a:t>Select</a:t>
@@ -1138,7 +1335,7 @@
           <a:p>
             <a:fld id="{4B3AC914-8EE0-4F94-AD22-ABF5CD3ADD26}" type="slidenum">
               <a:rPr lang="en-GB" smtClean="0"/>
-              <a:t>12</a:t>
+              <a:t>13</a:t>
             </a:fld>
             <a:endParaRPr lang="en-GB"/>
           </a:p>
@@ -2173,7 +2370,7 @@
           <a:p>
             <a:fld id="{7DC8C874-F052-4B8F-84BA-ADED70597167}" type="datetimeFigureOut">
               <a:rPr lang="en-GB" smtClean="0"/>
-              <a:t>31/01/2019</a:t>
+              <a:t>01/02/2019</a:t>
             </a:fld>
             <a:endParaRPr lang="en-GB"/>
           </a:p>
@@ -2343,7 +2540,7 @@
           <a:p>
             <a:fld id="{7DC8C874-F052-4B8F-84BA-ADED70597167}" type="datetimeFigureOut">
               <a:rPr lang="en-GB" smtClean="0"/>
-              <a:t>31/01/2019</a:t>
+              <a:t>01/02/2019</a:t>
             </a:fld>
             <a:endParaRPr lang="en-GB"/>
           </a:p>
@@ -2523,7 +2720,7 @@
           <a:p>
             <a:fld id="{7DC8C874-F052-4B8F-84BA-ADED70597167}" type="datetimeFigureOut">
               <a:rPr lang="en-GB" smtClean="0"/>
-              <a:t>31/01/2019</a:t>
+              <a:t>01/02/2019</a:t>
             </a:fld>
             <a:endParaRPr lang="en-GB"/>
           </a:p>
@@ -2693,7 +2890,7 @@
           <a:p>
             <a:fld id="{7DC8C874-F052-4B8F-84BA-ADED70597167}" type="datetimeFigureOut">
               <a:rPr lang="en-GB" smtClean="0"/>
-              <a:t>31/01/2019</a:t>
+              <a:t>01/02/2019</a:t>
             </a:fld>
             <a:endParaRPr lang="en-GB"/>
           </a:p>
@@ -2939,7 +3136,7 @@
           <a:p>
             <a:fld id="{7DC8C874-F052-4B8F-84BA-ADED70597167}" type="datetimeFigureOut">
               <a:rPr lang="en-GB" smtClean="0"/>
-              <a:t>31/01/2019</a:t>
+              <a:t>01/02/2019</a:t>
             </a:fld>
             <a:endParaRPr lang="en-GB"/>
           </a:p>
@@ -3227,7 +3424,7 @@
           <a:p>
             <a:fld id="{7DC8C874-F052-4B8F-84BA-ADED70597167}" type="datetimeFigureOut">
               <a:rPr lang="en-GB" smtClean="0"/>
-              <a:t>31/01/2019</a:t>
+              <a:t>01/02/2019</a:t>
             </a:fld>
             <a:endParaRPr lang="en-GB"/>
           </a:p>
@@ -3649,7 +3846,7 @@
           <a:p>
             <a:fld id="{7DC8C874-F052-4B8F-84BA-ADED70597167}" type="datetimeFigureOut">
               <a:rPr lang="en-GB" smtClean="0"/>
-              <a:t>31/01/2019</a:t>
+              <a:t>01/02/2019</a:t>
             </a:fld>
             <a:endParaRPr lang="en-GB"/>
           </a:p>
@@ -3767,7 +3964,7 @@
           <a:p>
             <a:fld id="{7DC8C874-F052-4B8F-84BA-ADED70597167}" type="datetimeFigureOut">
               <a:rPr lang="en-GB" smtClean="0"/>
-              <a:t>31/01/2019</a:t>
+              <a:t>01/02/2019</a:t>
             </a:fld>
             <a:endParaRPr lang="en-GB"/>
           </a:p>
@@ -3862,7 +4059,7 @@
           <a:p>
             <a:fld id="{7DC8C874-F052-4B8F-84BA-ADED70597167}" type="datetimeFigureOut">
               <a:rPr lang="en-GB" smtClean="0"/>
-              <a:t>31/01/2019</a:t>
+              <a:t>01/02/2019</a:t>
             </a:fld>
             <a:endParaRPr lang="en-GB"/>
           </a:p>
@@ -4139,7 +4336,7 @@
           <a:p>
             <a:fld id="{7DC8C874-F052-4B8F-84BA-ADED70597167}" type="datetimeFigureOut">
               <a:rPr lang="en-GB" smtClean="0"/>
-              <a:t>31/01/2019</a:t>
+              <a:t>01/02/2019</a:t>
             </a:fld>
             <a:endParaRPr lang="en-GB"/>
           </a:p>
@@ -4392,7 +4589,7 @@
           <a:p>
             <a:fld id="{7DC8C874-F052-4B8F-84BA-ADED70597167}" type="datetimeFigureOut">
               <a:rPr lang="en-GB" smtClean="0"/>
-              <a:t>31/01/2019</a:t>
+              <a:t>01/02/2019</a:t>
             </a:fld>
             <a:endParaRPr lang="en-GB"/>
           </a:p>
@@ -4605,7 +4802,7 @@
           <a:p>
             <a:fld id="{7DC8C874-F052-4B8F-84BA-ADED70597167}" type="datetimeFigureOut">
               <a:rPr lang="en-GB" smtClean="0"/>
-              <a:t>31/01/2019</a:t>
+              <a:t>01/02/2019</a:t>
             </a:fld>
             <a:endParaRPr lang="en-GB"/>
           </a:p>
@@ -5122,7 +5319,7 @@
         <p:spPr>
           <a:xfrm>
             <a:off x="144388" y="359916"/>
-            <a:ext cx="7632848" cy="523220"/>
+            <a:ext cx="7632848" cy="830997"/>
           </a:xfrm>
           <a:prstGeom prst="rect">
             <a:avLst/>
@@ -5137,7 +5334,7 @@
           <a:p>
             <a:pPr algn="ctr"/>
             <a:r>
-              <a:rPr lang="en-GB" sz="2800" dirty="0"/>
+              <a:rPr lang="en-GB" sz="4800" dirty="0"/>
               <a:t>Smart Assistant</a:t>
             </a:r>
           </a:p>
@@ -5429,55 +5626,14 @@
       </p:sp>
       <p:sp>
         <p:nvSpPr>
-          <p:cNvPr id="5" name="Rectangle 4"/>
-          <p:cNvSpPr/>
-          <p:nvPr/>
-        </p:nvSpPr>
-        <p:spPr>
-          <a:xfrm>
-            <a:off x="144388" y="719956"/>
-            <a:ext cx="7632848" cy="461665"/>
-          </a:xfrm>
-          <a:prstGeom prst="rect">
-            <a:avLst/>
-          </a:prstGeom>
-          <a:solidFill>
-            <a:schemeClr val="tx1"/>
-          </a:solidFill>
-        </p:spPr>
-        <p:style>
-          <a:lnRef idx="2">
-            <a:schemeClr val="accent3"/>
-          </a:lnRef>
-          <a:fillRef idx="1">
-            <a:schemeClr val="lt1"/>
-          </a:fillRef>
-          <a:effectRef idx="0">
-            <a:schemeClr val="accent3"/>
-          </a:effectRef>
-          <a:fontRef idx="minor">
-            <a:schemeClr val="dk1"/>
-          </a:fontRef>
-        </p:style>
-        <p:txBody>
-          <a:bodyPr rtlCol="0" anchor="ctr"/>
-          <a:lstStyle/>
-          <a:p>
-            <a:pPr algn="ctr"/>
-            <a:endParaRPr lang="en-GB"/>
-          </a:p>
-        </p:txBody>
-      </p:sp>
-      <p:sp>
-        <p:nvSpPr>
-          <p:cNvPr id="6" name="TextBox 5"/>
+          <p:cNvPr id="5" name="TextBox 4"/>
           <p:cNvSpPr txBox="1"/>
           <p:nvPr/>
         </p:nvSpPr>
         <p:spPr>
           <a:xfrm>
-            <a:off x="233623" y="12070"/>
-            <a:ext cx="3384376" cy="707886"/>
+            <a:off x="233622" y="12070"/>
+            <a:ext cx="4087229" cy="707886"/>
           </a:xfrm>
           <a:prstGeom prst="rect">
             <a:avLst/>
@@ -5492,14 +5648,14 @@
           <a:p>
             <a:r>
               <a:rPr lang="en-GB" sz="4000" dirty="0"/>
-              <a:t>Medication</a:t>
+              <a:t>Add Medication</a:t>
             </a:r>
           </a:p>
         </p:txBody>
       </p:sp>
       <p:sp>
         <p:nvSpPr>
-          <p:cNvPr id="7" name="TextBox 6"/>
+          <p:cNvPr id="6" name="TextBox 5"/>
           <p:cNvSpPr txBox="1"/>
           <p:nvPr/>
         </p:nvSpPr>
@@ -5532,7 +5688,7 @@
       </p:sp>
       <p:pic>
         <p:nvPicPr>
-          <p:cNvPr id="8" name="Picture 7"/>
+          <p:cNvPr id="7" name="Picture 7"/>
           <p:cNvPicPr>
             <a:picLocks noChangeAspect="1" noChangeArrowheads="1"/>
           </p:cNvPicPr>
@@ -5595,6 +5751,1005 @@
       </p:pic>
       <p:sp>
         <p:nvSpPr>
+          <p:cNvPr id="8" name="Rectangle 7"/>
+          <p:cNvSpPr/>
+          <p:nvPr/>
+        </p:nvSpPr>
+        <p:spPr>
+          <a:xfrm>
+            <a:off x="144388" y="1224012"/>
+            <a:ext cx="2304256" cy="3096344"/>
+          </a:xfrm>
+          <a:prstGeom prst="rect">
+            <a:avLst/>
+          </a:prstGeom>
+          <a:solidFill>
+            <a:schemeClr val="tx1"/>
+          </a:solidFill>
+        </p:spPr>
+        <p:style>
+          <a:lnRef idx="2">
+            <a:schemeClr val="accent3"/>
+          </a:lnRef>
+          <a:fillRef idx="1">
+            <a:schemeClr val="lt1"/>
+          </a:fillRef>
+          <a:effectRef idx="0">
+            <a:schemeClr val="accent3"/>
+          </a:effectRef>
+          <a:fontRef idx="minor">
+            <a:schemeClr val="dk1"/>
+          </a:fontRef>
+        </p:style>
+        <p:txBody>
+          <a:bodyPr rtlCol="0" anchor="ctr"/>
+          <a:lstStyle/>
+          <a:p>
+            <a:pPr algn="ctr"/>
+            <a:endParaRPr lang="en-GB"/>
+          </a:p>
+        </p:txBody>
+      </p:sp>
+      <p:sp>
+        <p:nvSpPr>
+          <p:cNvPr id="10" name="Rectangle 9"/>
+          <p:cNvSpPr/>
+          <p:nvPr/>
+        </p:nvSpPr>
+        <p:spPr>
+          <a:xfrm>
+            <a:off x="688274" y="791964"/>
+            <a:ext cx="6152858" cy="360040"/>
+          </a:xfrm>
+          <a:prstGeom prst="rect">
+            <a:avLst/>
+          </a:prstGeom>
+          <a:solidFill>
+            <a:schemeClr val="accent3">
+              <a:lumMod val="40000"/>
+              <a:lumOff val="60000"/>
+            </a:schemeClr>
+          </a:solidFill>
+        </p:spPr>
+        <p:style>
+          <a:lnRef idx="2">
+            <a:schemeClr val="accent3"/>
+          </a:lnRef>
+          <a:fillRef idx="1">
+            <a:schemeClr val="lt1"/>
+          </a:fillRef>
+          <a:effectRef idx="0">
+            <a:schemeClr val="accent3"/>
+          </a:effectRef>
+          <a:fontRef idx="minor">
+            <a:schemeClr val="dk1"/>
+          </a:fontRef>
+        </p:style>
+        <p:txBody>
+          <a:bodyPr rtlCol="0" anchor="ctr"/>
+          <a:lstStyle/>
+          <a:p>
+            <a:pPr algn="ctr"/>
+            <a:endParaRPr lang="en-GB"/>
+          </a:p>
+        </p:txBody>
+      </p:sp>
+      <p:sp>
+        <p:nvSpPr>
+          <p:cNvPr id="11" name="TextBox 10"/>
+          <p:cNvSpPr txBox="1"/>
+          <p:nvPr/>
+        </p:nvSpPr>
+        <p:spPr>
+          <a:xfrm>
+            <a:off x="764976" y="791964"/>
+            <a:ext cx="4968552" cy="369332"/>
+          </a:xfrm>
+          <a:prstGeom prst="rect">
+            <a:avLst/>
+          </a:prstGeom>
+          <a:noFill/>
+        </p:spPr>
+        <p:txBody>
+          <a:bodyPr wrap="square" rtlCol="0">
+            <a:spAutoFit/>
+          </a:bodyPr>
+          <a:lstStyle/>
+          <a:p>
+            <a:r>
+              <a:rPr lang="en-GB" b="1" dirty="0" err="1">
+                <a:solidFill>
+                  <a:schemeClr val="bg1"/>
+                </a:solidFill>
+              </a:rPr>
+              <a:t>Formohelid</a:t>
+            </a:r>
+            <a:endParaRPr lang="en-GB" b="1" dirty="0">
+              <a:solidFill>
+                <a:schemeClr val="bg1"/>
+              </a:solidFill>
+            </a:endParaRPr>
+          </a:p>
+        </p:txBody>
+      </p:sp>
+      <p:sp>
+        <p:nvSpPr>
+          <p:cNvPr id="12" name="Rectangle 11"/>
+          <p:cNvSpPr/>
+          <p:nvPr/>
+        </p:nvSpPr>
+        <p:spPr>
+          <a:xfrm>
+            <a:off x="4032820" y="1224012"/>
+            <a:ext cx="3744416" cy="3096344"/>
+          </a:xfrm>
+          <a:prstGeom prst="rect">
+            <a:avLst/>
+          </a:prstGeom>
+          <a:solidFill>
+            <a:schemeClr val="tx1"/>
+          </a:solidFill>
+        </p:spPr>
+        <p:style>
+          <a:lnRef idx="2">
+            <a:schemeClr val="accent3"/>
+          </a:lnRef>
+          <a:fillRef idx="1">
+            <a:schemeClr val="lt1"/>
+          </a:fillRef>
+          <a:effectRef idx="0">
+            <a:schemeClr val="accent3"/>
+          </a:effectRef>
+          <a:fontRef idx="minor">
+            <a:schemeClr val="dk1"/>
+          </a:fontRef>
+        </p:style>
+        <p:txBody>
+          <a:bodyPr rtlCol="0" anchor="ctr"/>
+          <a:lstStyle/>
+          <a:p>
+            <a:pPr algn="ctr"/>
+            <a:endParaRPr lang="en-GB" dirty="0"/>
+          </a:p>
+        </p:txBody>
+      </p:sp>
+      <p:pic>
+        <p:nvPicPr>
+          <p:cNvPr id="1026" name="Picture 2" descr="C:\Users\Sam\OneDrive\Documents\Heriot Watt\Advanced Interaction design\courswork a\storyboard\Pill_page\Search.png"/>
+          <p:cNvPicPr>
+            <a:picLocks noChangeAspect="1" noChangeArrowheads="1"/>
+          </p:cNvPicPr>
+          <p:nvPr/>
+        </p:nvPicPr>
+        <p:blipFill>
+          <a:blip r:embed="rId4" cstate="print">
+            <a:extLst>
+              <a:ext uri="{28A0092B-C50C-407E-A947-70E740481C1C}">
+                <a14:useLocalDpi xmlns:a14="http://schemas.microsoft.com/office/drawing/2010/main" val="0"/>
+              </a:ext>
+            </a:extLst>
+          </a:blip>
+          <a:srcRect/>
+          <a:stretch>
+            <a:fillRect/>
+          </a:stretch>
+        </p:blipFill>
+        <p:spPr bwMode="auto">
+          <a:xfrm>
+            <a:off x="144388" y="798314"/>
+            <a:ext cx="553938" cy="319880"/>
+          </a:xfrm>
+          <a:prstGeom prst="rect">
+            <a:avLst/>
+          </a:prstGeom>
+          <a:noFill/>
+          <a:extLst>
+            <a:ext uri="{909E8E84-426E-40DD-AFC4-6F175D3DCCD1}">
+              <a14:hiddenFill xmlns:a14="http://schemas.microsoft.com/office/drawing/2010/main">
+                <a:solidFill>
+                  <a:srgbClr val="FFFFFF"/>
+                </a:solidFill>
+              </a14:hiddenFill>
+            </a:ext>
+          </a:extLst>
+        </p:spPr>
+      </p:pic>
+      <p:pic>
+        <p:nvPicPr>
+          <p:cNvPr id="1027" name="Picture 3" descr="C:\Users\Sam\OneDrive\Documents\Heriot Watt\Advanced Interaction design\courswork a\storyboard\Pill_page\button.png"/>
+          <p:cNvPicPr>
+            <a:picLocks noChangeAspect="1" noChangeArrowheads="1"/>
+          </p:cNvPicPr>
+          <p:nvPr/>
+        </p:nvPicPr>
+        <p:blipFill>
+          <a:blip r:embed="rId5">
+            <a:extLst>
+              <a:ext uri="{28A0092B-C50C-407E-A947-70E740481C1C}">
+                <a14:useLocalDpi xmlns:a14="http://schemas.microsoft.com/office/drawing/2010/main" val="0"/>
+              </a:ext>
+            </a:extLst>
+          </a:blip>
+          <a:srcRect/>
+          <a:stretch>
+            <a:fillRect/>
+          </a:stretch>
+        </p:blipFill>
+        <p:spPr bwMode="auto">
+          <a:xfrm>
+            <a:off x="6769497" y="693162"/>
+            <a:ext cx="1152128" cy="530183"/>
+          </a:xfrm>
+          <a:prstGeom prst="rect">
+            <a:avLst/>
+          </a:prstGeom>
+          <a:noFill/>
+          <a:extLst>
+            <a:ext uri="{909E8E84-426E-40DD-AFC4-6F175D3DCCD1}">
+              <a14:hiddenFill xmlns:a14="http://schemas.microsoft.com/office/drawing/2010/main">
+                <a:solidFill>
+                  <a:srgbClr val="FFFFFF"/>
+                </a:solidFill>
+              </a14:hiddenFill>
+            </a:ext>
+          </a:extLst>
+        </p:spPr>
+      </p:pic>
+      <p:sp>
+        <p:nvSpPr>
+          <p:cNvPr id="13" name="TextBox 12"/>
+          <p:cNvSpPr txBox="1"/>
+          <p:nvPr/>
+        </p:nvSpPr>
+        <p:spPr>
+          <a:xfrm>
+            <a:off x="6959748" y="772914"/>
+            <a:ext cx="864096" cy="369332"/>
+          </a:xfrm>
+          <a:prstGeom prst="rect">
+            <a:avLst/>
+          </a:prstGeom>
+          <a:noFill/>
+        </p:spPr>
+        <p:txBody>
+          <a:bodyPr wrap="square" rtlCol="0">
+            <a:spAutoFit/>
+          </a:bodyPr>
+          <a:lstStyle/>
+          <a:p>
+            <a:r>
+              <a:rPr lang="en-GB" dirty="0"/>
+              <a:t>Search</a:t>
+            </a:r>
+          </a:p>
+        </p:txBody>
+      </p:sp>
+      <p:sp>
+        <p:nvSpPr>
+          <p:cNvPr id="14" name="TextBox 13"/>
+          <p:cNvSpPr txBox="1"/>
+          <p:nvPr/>
+        </p:nvSpPr>
+        <p:spPr>
+          <a:xfrm>
+            <a:off x="4081540" y="1276628"/>
+            <a:ext cx="3695696" cy="2862322"/>
+          </a:xfrm>
+          <a:prstGeom prst="rect">
+            <a:avLst/>
+          </a:prstGeom>
+          <a:noFill/>
+        </p:spPr>
+        <p:txBody>
+          <a:bodyPr wrap="square" rtlCol="0">
+            <a:spAutoFit/>
+          </a:bodyPr>
+          <a:lstStyle/>
+          <a:p>
+            <a:r>
+              <a:rPr lang="en-GB" b="1" dirty="0">
+                <a:solidFill>
+                  <a:schemeClr val="bg1"/>
+                </a:solidFill>
+              </a:rPr>
+              <a:t>Notes</a:t>
+            </a:r>
+            <a:r>
+              <a:rPr lang="en-GB" dirty="0">
+                <a:solidFill>
+                  <a:schemeClr val="bg1"/>
+                </a:solidFill>
+              </a:rPr>
+              <a:t>:</a:t>
+            </a:r>
+          </a:p>
+          <a:p>
+            <a:r>
+              <a:rPr lang="en-GB" b="1" dirty="0" err="1">
+                <a:solidFill>
+                  <a:schemeClr val="bg1"/>
+                </a:solidFill>
+              </a:rPr>
+              <a:t>Formohelidrine</a:t>
+            </a:r>
+            <a:r>
+              <a:rPr lang="en-GB" dirty="0">
+                <a:solidFill>
+                  <a:schemeClr val="bg1"/>
+                </a:solidFill>
+              </a:rPr>
+              <a:t>:</a:t>
+            </a:r>
+          </a:p>
+          <a:p>
+            <a:r>
+              <a:rPr lang="en-GB" dirty="0">
+                <a:solidFill>
+                  <a:schemeClr val="bg1"/>
+                </a:solidFill>
+              </a:rPr>
+              <a:t>Dose – 2x 50 mg tablets taken once in the morning before breakfast.</a:t>
+            </a:r>
+          </a:p>
+          <a:p>
+            <a:endParaRPr lang="en-GB" dirty="0">
+              <a:solidFill>
+                <a:schemeClr val="bg1"/>
+              </a:solidFill>
+            </a:endParaRPr>
+          </a:p>
+          <a:p>
+            <a:r>
+              <a:rPr lang="en-GB" dirty="0">
+                <a:solidFill>
+                  <a:schemeClr val="bg1"/>
+                </a:solidFill>
+              </a:rPr>
+              <a:t>Tablets are oblong, red and purple capsules.</a:t>
+            </a:r>
+          </a:p>
+          <a:p>
+            <a:endParaRPr lang="en-GB" dirty="0">
+              <a:solidFill>
+                <a:schemeClr val="bg1"/>
+              </a:solidFill>
+            </a:endParaRPr>
+          </a:p>
+          <a:p>
+            <a:r>
+              <a:rPr lang="en-GB" dirty="0">
+                <a:solidFill>
+                  <a:schemeClr val="bg1"/>
+                </a:solidFill>
+              </a:rPr>
+              <a:t>Do not take if pregnant or if you have fainted in the last three days.</a:t>
+            </a:r>
+          </a:p>
+        </p:txBody>
+      </p:sp>
+      <p:pic>
+        <p:nvPicPr>
+          <p:cNvPr id="7170" name="Picture 2" descr="C:\Users\Sam\OneDrive\Documents\Heriot Watt\Advanced Interaction design\courswork a\storyboard\Pill_page\button.png"/>
+          <p:cNvPicPr>
+            <a:picLocks noChangeAspect="1" noChangeArrowheads="1"/>
+          </p:cNvPicPr>
+          <p:nvPr/>
+        </p:nvPicPr>
+        <p:blipFill>
+          <a:blip r:embed="rId5">
+            <a:extLst>
+              <a:ext uri="{28A0092B-C50C-407E-A947-70E740481C1C}">
+                <a14:useLocalDpi xmlns:a14="http://schemas.microsoft.com/office/drawing/2010/main" val="0"/>
+              </a:ext>
+            </a:extLst>
+          </a:blip>
+          <a:srcRect/>
+          <a:stretch>
+            <a:fillRect/>
+          </a:stretch>
+        </p:blipFill>
+        <p:spPr bwMode="auto">
+          <a:xfrm>
+            <a:off x="6481000" y="4364471"/>
+            <a:ext cx="1512260" cy="695907"/>
+          </a:xfrm>
+          <a:prstGeom prst="rect">
+            <a:avLst/>
+          </a:prstGeom>
+          <a:noFill/>
+          <a:extLst>
+            <a:ext uri="{909E8E84-426E-40DD-AFC4-6F175D3DCCD1}">
+              <a14:hiddenFill xmlns:a14="http://schemas.microsoft.com/office/drawing/2010/main">
+                <a:solidFill>
+                  <a:srgbClr val="FFFFFF"/>
+                </a:solidFill>
+              </a14:hiddenFill>
+            </a:ext>
+          </a:extLst>
+        </p:spPr>
+      </p:pic>
+      <p:sp>
+        <p:nvSpPr>
+          <p:cNvPr id="17" name="TextBox 16"/>
+          <p:cNvSpPr txBox="1"/>
+          <p:nvPr/>
+        </p:nvSpPr>
+        <p:spPr>
+          <a:xfrm>
+            <a:off x="6830519" y="4464372"/>
+            <a:ext cx="1018725" cy="523220"/>
+          </a:xfrm>
+          <a:prstGeom prst="rect">
+            <a:avLst/>
+          </a:prstGeom>
+          <a:noFill/>
+        </p:spPr>
+        <p:txBody>
+          <a:bodyPr wrap="square" rtlCol="0">
+            <a:spAutoFit/>
+          </a:bodyPr>
+          <a:lstStyle/>
+          <a:p>
+            <a:r>
+              <a:rPr lang="en-GB" sz="2800" dirty="0"/>
+              <a:t>Add</a:t>
+            </a:r>
+          </a:p>
+        </p:txBody>
+      </p:sp>
+      <p:sp>
+        <p:nvSpPr>
+          <p:cNvPr id="18" name="Rectangle 17"/>
+          <p:cNvSpPr/>
+          <p:nvPr/>
+        </p:nvSpPr>
+        <p:spPr>
+          <a:xfrm>
+            <a:off x="2520652" y="1239252"/>
+            <a:ext cx="1436560" cy="1368152"/>
+          </a:xfrm>
+          <a:prstGeom prst="rect">
+            <a:avLst/>
+          </a:prstGeom>
+          <a:solidFill>
+            <a:schemeClr val="accent3">
+              <a:lumMod val="20000"/>
+              <a:lumOff val="80000"/>
+            </a:schemeClr>
+          </a:solidFill>
+          <a:ln>
+            <a:solidFill>
+              <a:schemeClr val="accent3">
+                <a:lumMod val="75000"/>
+              </a:schemeClr>
+            </a:solidFill>
+          </a:ln>
+        </p:spPr>
+        <p:style>
+          <a:lnRef idx="2">
+            <a:schemeClr val="accent1">
+              <a:shade val="50000"/>
+            </a:schemeClr>
+          </a:lnRef>
+          <a:fillRef idx="1">
+            <a:schemeClr val="accent1"/>
+          </a:fillRef>
+          <a:effectRef idx="0">
+            <a:schemeClr val="accent1"/>
+          </a:effectRef>
+          <a:fontRef idx="minor">
+            <a:schemeClr val="lt1"/>
+          </a:fontRef>
+        </p:style>
+        <p:txBody>
+          <a:bodyPr rtlCol="0" anchor="ctr"/>
+          <a:lstStyle/>
+          <a:p>
+            <a:pPr algn="ctr"/>
+            <a:endParaRPr lang="en-GB"/>
+          </a:p>
+        </p:txBody>
+      </p:sp>
+      <p:pic>
+        <p:nvPicPr>
+          <p:cNvPr id="19" name="Picture 4" descr="C:\Users\Sam\OneDrive\Documents\Heriot Watt\Advanced Interaction design\courswork a\storyboard\Pill_page\pill_2.png"/>
+          <p:cNvPicPr>
+            <a:picLocks noChangeAspect="1" noChangeArrowheads="1"/>
+          </p:cNvPicPr>
+          <p:nvPr/>
+        </p:nvPicPr>
+        <p:blipFill>
+          <a:blip r:embed="rId6" cstate="print">
+            <a:extLst>
+              <a:ext uri="{28A0092B-C50C-407E-A947-70E740481C1C}">
+                <a14:useLocalDpi xmlns:a14="http://schemas.microsoft.com/office/drawing/2010/main" val="0"/>
+              </a:ext>
+            </a:extLst>
+          </a:blip>
+          <a:srcRect/>
+          <a:stretch>
+            <a:fillRect/>
+          </a:stretch>
+        </p:blipFill>
+        <p:spPr bwMode="auto">
+          <a:xfrm rot="20390434">
+            <a:off x="2698871" y="1546290"/>
+            <a:ext cx="1080120" cy="754074"/>
+          </a:xfrm>
+          <a:prstGeom prst="rect">
+            <a:avLst/>
+          </a:prstGeom>
+          <a:noFill/>
+          <a:extLst>
+            <a:ext uri="{909E8E84-426E-40DD-AFC4-6F175D3DCCD1}">
+              <a14:hiddenFill xmlns:a14="http://schemas.microsoft.com/office/drawing/2010/main">
+                <a:solidFill>
+                  <a:srgbClr val="FFFFFF"/>
+                </a:solidFill>
+              </a14:hiddenFill>
+            </a:ext>
+          </a:extLst>
+        </p:spPr>
+      </p:pic>
+      <p:sp>
+        <p:nvSpPr>
+          <p:cNvPr id="9" name="Rectangle 8">
+            <a:extLst>
+              <a:ext uri="{FF2B5EF4-FFF2-40B4-BE49-F238E27FC236}">
+                <a16:creationId xmlns:a16="http://schemas.microsoft.com/office/drawing/2014/main" id="{792A0054-799F-420D-8E07-B5894D444E00}"/>
+              </a:ext>
+            </a:extLst>
+          </p:cNvPr>
+          <p:cNvSpPr/>
+          <p:nvPr/>
+        </p:nvSpPr>
+        <p:spPr>
+          <a:xfrm>
+            <a:off x="144388" y="2369113"/>
+            <a:ext cx="2304256" cy="369331"/>
+          </a:xfrm>
+          <a:prstGeom prst="rect">
+            <a:avLst/>
+          </a:prstGeom>
+          <a:solidFill>
+            <a:schemeClr val="accent3"/>
+          </a:solidFill>
+          <a:ln>
+            <a:noFill/>
+          </a:ln>
+        </p:spPr>
+        <p:style>
+          <a:lnRef idx="2">
+            <a:schemeClr val="accent1">
+              <a:shade val="50000"/>
+            </a:schemeClr>
+          </a:lnRef>
+          <a:fillRef idx="1">
+            <a:schemeClr val="accent1"/>
+          </a:fillRef>
+          <a:effectRef idx="0">
+            <a:schemeClr val="accent1"/>
+          </a:effectRef>
+          <a:fontRef idx="minor">
+            <a:schemeClr val="lt1"/>
+          </a:fontRef>
+        </p:style>
+        <p:txBody>
+          <a:bodyPr rtlCol="0" anchor="ctr"/>
+          <a:lstStyle/>
+          <a:p>
+            <a:pPr algn="ctr"/>
+            <a:endParaRPr lang="en-GB"/>
+          </a:p>
+        </p:txBody>
+      </p:sp>
+      <p:sp>
+        <p:nvSpPr>
+          <p:cNvPr id="22" name="Rectangle 21">
+            <a:extLst>
+              <a:ext uri="{FF2B5EF4-FFF2-40B4-BE49-F238E27FC236}">
+                <a16:creationId xmlns:a16="http://schemas.microsoft.com/office/drawing/2014/main" id="{E5F496BB-66AE-4CEB-A093-BC16826E305F}"/>
+              </a:ext>
+            </a:extLst>
+          </p:cNvPr>
+          <p:cNvSpPr/>
+          <p:nvPr/>
+        </p:nvSpPr>
+        <p:spPr>
+          <a:xfrm>
+            <a:off x="2520652" y="2715520"/>
+            <a:ext cx="1436560" cy="1604835"/>
+          </a:xfrm>
+          <a:prstGeom prst="rect">
+            <a:avLst/>
+          </a:prstGeom>
+          <a:solidFill>
+            <a:schemeClr val="accent3">
+              <a:lumMod val="40000"/>
+              <a:lumOff val="60000"/>
+            </a:schemeClr>
+          </a:solidFill>
+        </p:spPr>
+        <p:style>
+          <a:lnRef idx="2">
+            <a:schemeClr val="accent3"/>
+          </a:lnRef>
+          <a:fillRef idx="1">
+            <a:schemeClr val="lt1"/>
+          </a:fillRef>
+          <a:effectRef idx="0">
+            <a:schemeClr val="accent3"/>
+          </a:effectRef>
+          <a:fontRef idx="minor">
+            <a:schemeClr val="dk1"/>
+          </a:fontRef>
+        </p:style>
+        <p:txBody>
+          <a:bodyPr rtlCol="0" anchor="ctr"/>
+          <a:lstStyle/>
+          <a:p>
+            <a:pPr algn="ctr"/>
+            <a:r>
+              <a:rPr lang="en-GB" dirty="0"/>
+              <a:t>Dose:</a:t>
+            </a:r>
+          </a:p>
+          <a:p>
+            <a:pPr algn="ctr"/>
+            <a:endParaRPr lang="en-GB" dirty="0"/>
+          </a:p>
+        </p:txBody>
+      </p:sp>
+      <p:sp>
+        <p:nvSpPr>
+          <p:cNvPr id="16" name="TextBox 15"/>
+          <p:cNvSpPr txBox="1"/>
+          <p:nvPr/>
+        </p:nvSpPr>
+        <p:spPr>
+          <a:xfrm>
+            <a:off x="193108" y="1266448"/>
+            <a:ext cx="3695696" cy="1754326"/>
+          </a:xfrm>
+          <a:prstGeom prst="rect">
+            <a:avLst/>
+          </a:prstGeom>
+          <a:noFill/>
+        </p:spPr>
+        <p:txBody>
+          <a:bodyPr wrap="square" rtlCol="0">
+            <a:spAutoFit/>
+          </a:bodyPr>
+          <a:lstStyle/>
+          <a:p>
+            <a:r>
+              <a:rPr lang="en-GB" b="1" u="sng" dirty="0">
+                <a:solidFill>
+                  <a:schemeClr val="bg1"/>
+                </a:solidFill>
+              </a:rPr>
+              <a:t>Results:</a:t>
+            </a:r>
+          </a:p>
+          <a:p>
+            <a:r>
+              <a:rPr lang="en-GB" dirty="0" err="1">
+                <a:solidFill>
+                  <a:schemeClr val="bg1"/>
+                </a:solidFill>
+              </a:rPr>
+              <a:t>Formohelidicas</a:t>
+            </a:r>
+            <a:endParaRPr lang="en-GB" dirty="0">
+              <a:solidFill>
+                <a:schemeClr val="bg1"/>
+              </a:solidFill>
+            </a:endParaRPr>
+          </a:p>
+          <a:p>
+            <a:r>
+              <a:rPr lang="en-GB" dirty="0" err="1">
+                <a:solidFill>
+                  <a:schemeClr val="bg1"/>
+                </a:solidFill>
+              </a:rPr>
+              <a:t>Formohelidiel</a:t>
+            </a:r>
+            <a:endParaRPr lang="en-GB" dirty="0">
+              <a:solidFill>
+                <a:schemeClr val="bg1"/>
+              </a:solidFill>
+            </a:endParaRPr>
+          </a:p>
+          <a:p>
+            <a:r>
+              <a:rPr lang="en-GB" dirty="0" err="1">
+                <a:solidFill>
+                  <a:schemeClr val="bg1"/>
+                </a:solidFill>
+              </a:rPr>
+              <a:t>Formohelidiate</a:t>
+            </a:r>
+            <a:endParaRPr lang="en-GB" dirty="0">
+              <a:solidFill>
+                <a:schemeClr val="bg1"/>
+              </a:solidFill>
+            </a:endParaRPr>
+          </a:p>
+          <a:p>
+            <a:r>
+              <a:rPr lang="en-GB" dirty="0" err="1">
+                <a:solidFill>
+                  <a:schemeClr val="bg1"/>
+                </a:solidFill>
+              </a:rPr>
+              <a:t>Formohelidrine</a:t>
+            </a:r>
+            <a:endParaRPr lang="en-GB" dirty="0">
+              <a:solidFill>
+                <a:schemeClr val="bg1"/>
+              </a:solidFill>
+            </a:endParaRPr>
+          </a:p>
+          <a:p>
+            <a:endParaRPr lang="en-GB" b="1" u="sng" dirty="0">
+              <a:solidFill>
+                <a:schemeClr val="bg1"/>
+              </a:solidFill>
+            </a:endParaRPr>
+          </a:p>
+        </p:txBody>
+      </p:sp>
+    </p:spTree>
+    <p:extLst>
+      <p:ext uri="{BB962C8B-B14F-4D97-AF65-F5344CB8AC3E}">
+        <p14:creationId xmlns:p14="http://schemas.microsoft.com/office/powerpoint/2010/main" val="3073053204"/>
+      </p:ext>
+    </p:extLst>
+  </p:cSld>
+  <p:clrMapOvr>
+    <a:masterClrMapping/>
+  </p:clrMapOvr>
+</p:sld>
+</file>
+
+<file path=ppt/slides/slide11.xml><?xml version="1.0" encoding="utf-8"?>
+<p:sld xmlns:a="http://schemas.openxmlformats.org/drawingml/2006/main" xmlns:r="http://schemas.openxmlformats.org/officeDocument/2006/relationships" xmlns:p="http://schemas.openxmlformats.org/presentationml/2006/main">
+  <p:cSld>
+    <p:bg>
+      <p:bgPr>
+        <a:solidFill>
+          <a:srgbClr val="92D050"/>
+        </a:solidFill>
+        <a:effectLst/>
+      </p:bgPr>
+    </p:bg>
+    <p:spTree>
+      <p:nvGrpSpPr>
+        <p:cNvPr id="1" name=""/>
+        <p:cNvGrpSpPr/>
+        <p:nvPr/>
+      </p:nvGrpSpPr>
+      <p:grpSpPr>
+        <a:xfrm>
+          <a:off x="0" y="0"/>
+          <a:ext cx="0" cy="0"/>
+          <a:chOff x="0" y="0"/>
+          <a:chExt cx="0" cy="0"/>
+        </a:xfrm>
+      </p:grpSpPr>
+      <p:sp>
+        <p:nvSpPr>
+          <p:cNvPr id="4" name="Rectangle 3"/>
+          <p:cNvSpPr/>
+          <p:nvPr/>
+        </p:nvSpPr>
+        <p:spPr>
+          <a:xfrm>
+            <a:off x="6337076" y="143891"/>
+            <a:ext cx="1432584" cy="461665"/>
+          </a:xfrm>
+          <a:prstGeom prst="rect">
+            <a:avLst/>
+          </a:prstGeom>
+          <a:solidFill>
+            <a:schemeClr val="accent3">
+              <a:lumMod val="40000"/>
+              <a:lumOff val="60000"/>
+            </a:schemeClr>
+          </a:solidFill>
+        </p:spPr>
+        <p:style>
+          <a:lnRef idx="2">
+            <a:schemeClr val="accent3"/>
+          </a:lnRef>
+          <a:fillRef idx="1">
+            <a:schemeClr val="lt1"/>
+          </a:fillRef>
+          <a:effectRef idx="0">
+            <a:schemeClr val="accent3"/>
+          </a:effectRef>
+          <a:fontRef idx="minor">
+            <a:schemeClr val="dk1"/>
+          </a:fontRef>
+        </p:style>
+        <p:txBody>
+          <a:bodyPr rtlCol="0" anchor="ctr"/>
+          <a:lstStyle/>
+          <a:p>
+            <a:pPr algn="ctr"/>
+            <a:endParaRPr lang="en-GB"/>
+          </a:p>
+        </p:txBody>
+      </p:sp>
+      <p:sp>
+        <p:nvSpPr>
+          <p:cNvPr id="5" name="Rectangle 4"/>
+          <p:cNvSpPr/>
+          <p:nvPr/>
+        </p:nvSpPr>
+        <p:spPr>
+          <a:xfrm>
+            <a:off x="144388" y="719956"/>
+            <a:ext cx="7632848" cy="461665"/>
+          </a:xfrm>
+          <a:prstGeom prst="rect">
+            <a:avLst/>
+          </a:prstGeom>
+          <a:solidFill>
+            <a:schemeClr val="tx1"/>
+          </a:solidFill>
+        </p:spPr>
+        <p:style>
+          <a:lnRef idx="2">
+            <a:schemeClr val="accent3"/>
+          </a:lnRef>
+          <a:fillRef idx="1">
+            <a:schemeClr val="lt1"/>
+          </a:fillRef>
+          <a:effectRef idx="0">
+            <a:schemeClr val="accent3"/>
+          </a:effectRef>
+          <a:fontRef idx="minor">
+            <a:schemeClr val="dk1"/>
+          </a:fontRef>
+        </p:style>
+        <p:txBody>
+          <a:bodyPr rtlCol="0" anchor="ctr"/>
+          <a:lstStyle/>
+          <a:p>
+            <a:pPr algn="ctr"/>
+            <a:endParaRPr lang="en-GB"/>
+          </a:p>
+        </p:txBody>
+      </p:sp>
+      <p:sp>
+        <p:nvSpPr>
+          <p:cNvPr id="6" name="TextBox 5"/>
+          <p:cNvSpPr txBox="1"/>
+          <p:nvPr/>
+        </p:nvSpPr>
+        <p:spPr>
+          <a:xfrm>
+            <a:off x="233623" y="12070"/>
+            <a:ext cx="3384376" cy="707886"/>
+          </a:xfrm>
+          <a:prstGeom prst="rect">
+            <a:avLst/>
+          </a:prstGeom>
+          <a:noFill/>
+        </p:spPr>
+        <p:txBody>
+          <a:bodyPr wrap="square" rtlCol="0">
+            <a:spAutoFit/>
+          </a:bodyPr>
+          <a:lstStyle/>
+          <a:p>
+            <a:r>
+              <a:rPr lang="en-GB" sz="4000" dirty="0"/>
+              <a:t>Medication</a:t>
+            </a:r>
+          </a:p>
+        </p:txBody>
+      </p:sp>
+      <p:sp>
+        <p:nvSpPr>
+          <p:cNvPr id="7" name="TextBox 6"/>
+          <p:cNvSpPr txBox="1"/>
+          <p:nvPr/>
+        </p:nvSpPr>
+        <p:spPr>
+          <a:xfrm>
+            <a:off x="6369941" y="143892"/>
+            <a:ext cx="1551311" cy="461665"/>
+          </a:xfrm>
+          <a:prstGeom prst="rect">
+            <a:avLst/>
+          </a:prstGeom>
+          <a:noFill/>
+        </p:spPr>
+        <p:txBody>
+          <a:bodyPr wrap="square" rtlCol="0">
+            <a:spAutoFit/>
+          </a:bodyPr>
+          <a:lstStyle/>
+          <a:p>
+            <a:r>
+              <a:rPr lang="en-GB" sz="2400" b="1" dirty="0">
+                <a:solidFill>
+                  <a:schemeClr val="bg1"/>
+                </a:solidFill>
+              </a:rPr>
+              <a:t>10:57 am</a:t>
+            </a:r>
+          </a:p>
+        </p:txBody>
+      </p:sp>
+      <p:pic>
+        <p:nvPicPr>
+          <p:cNvPr id="8" name="Picture 7"/>
+          <p:cNvPicPr>
+            <a:picLocks noChangeAspect="1" noChangeArrowheads="1"/>
+          </p:cNvPicPr>
+          <p:nvPr/>
+        </p:nvPicPr>
+        <p:blipFill>
+          <a:blip r:embed="rId3">
+            <a:extLst>
+              <a:ext uri="{28A0092B-C50C-407E-A947-70E740481C1C}">
+                <a14:useLocalDpi xmlns:a14="http://schemas.microsoft.com/office/drawing/2010/main" val="0"/>
+              </a:ext>
+            </a:extLst>
+          </a:blip>
+          <a:stretch>
+            <a:fillRect/>
+          </a:stretch>
+        </p:blipFill>
+        <p:spPr bwMode="auto">
+          <a:xfrm>
+            <a:off x="-71636" y="4364471"/>
+            <a:ext cx="1519823" cy="699387"/>
+          </a:xfrm>
+          <a:prstGeom prst="rect">
+            <a:avLst/>
+          </a:prstGeom>
+          <a:noFill/>
+          <a:ln>
+            <a:noFill/>
+          </a:ln>
+          <a:effectLst/>
+          <a:extLst>
+            <a:ext uri="{909E8E84-426E-40DD-AFC4-6F175D3DCCD1}">
+              <a14:hiddenFill xmlns:a14="http://schemas.microsoft.com/office/drawing/2010/main">
+                <a:solidFill>
+                  <a:schemeClr val="accent1"/>
+                </a:solidFill>
+              </a14:hiddenFill>
+            </a:ext>
+            <a:ext uri="{91240B29-F687-4F45-9708-019B960494DF}">
+              <a14:hiddenLine xmlns:a14="http://schemas.microsoft.com/office/drawing/2010/main" w="9525">
+                <a:solidFill>
+                  <a:schemeClr val="tx1"/>
+                </a:solidFill>
+                <a:miter lim="800000"/>
+                <a:headEnd/>
+                <a:tailEnd/>
+              </a14:hiddenLine>
+            </a:ext>
+            <a:ext uri="{AF507438-7753-43E0-B8FC-AC1667EBCBE1}">
+              <a14:hiddenEffects xmlns:a14="http://schemas.microsoft.com/office/drawing/2010/main">
+                <a:effectLst>
+                  <a:outerShdw dist="35921" dir="2700000" algn="ctr" rotWithShape="0">
+                    <a:schemeClr val="bg2"/>
+                  </a:outerShdw>
+                </a:effectLst>
+              </a14:hiddenEffects>
+            </a:ext>
+          </a:extLst>
+        </p:spPr>
+      </p:pic>
+      <p:sp>
+        <p:nvSpPr>
           <p:cNvPr id="9" name="TextBox 8"/>
           <p:cNvSpPr txBox="1"/>
           <p:nvPr/>
@@ -5989,7 +7144,7 @@
         <p:spPr>
           <a:xfrm>
             <a:off x="3102626" y="1264662"/>
-            <a:ext cx="2736810" cy="369332"/>
+            <a:ext cx="4674610" cy="2862322"/>
           </a:xfrm>
           <a:prstGeom prst="rect">
             <a:avLst/>
@@ -6003,7 +7158,7 @@
           <a:lstStyle/>
           <a:p>
             <a:r>
-              <a:rPr lang="en-GB" dirty="0">
+              <a:rPr lang="en-GB" b="1" dirty="0">
                 <a:solidFill>
                   <a:schemeClr val="bg2">
                     <a:lumMod val="50000"/>
@@ -6012,6 +7167,68 @@
               </a:rPr>
               <a:t>Medication details</a:t>
             </a:r>
+          </a:p>
+          <a:p>
+            <a:endParaRPr lang="en-GB" dirty="0">
+              <a:solidFill>
+                <a:schemeClr val="bg2">
+                  <a:lumMod val="50000"/>
+                </a:schemeClr>
+              </a:solidFill>
+            </a:endParaRPr>
+          </a:p>
+          <a:p>
+            <a:r>
+              <a:rPr lang="en-GB" dirty="0">
+                <a:solidFill>
+                  <a:schemeClr val="bg1"/>
+                </a:solidFill>
+              </a:rPr>
+              <a:t>Dose – 2x 50 mg tablets taken once in the morning before breakfast.</a:t>
+            </a:r>
+          </a:p>
+          <a:p>
+            <a:endParaRPr lang="en-GB" dirty="0">
+              <a:solidFill>
+                <a:schemeClr val="bg1"/>
+              </a:solidFill>
+            </a:endParaRPr>
+          </a:p>
+          <a:p>
+            <a:r>
+              <a:rPr lang="en-GB" dirty="0">
+                <a:solidFill>
+                  <a:schemeClr val="bg1"/>
+                </a:solidFill>
+              </a:rPr>
+              <a:t>Tablets are oblong, red and purple capsules.</a:t>
+            </a:r>
+          </a:p>
+          <a:p>
+            <a:endParaRPr lang="en-GB" dirty="0">
+              <a:solidFill>
+                <a:schemeClr val="bg1"/>
+              </a:solidFill>
+            </a:endParaRPr>
+          </a:p>
+          <a:p>
+            <a:r>
+              <a:rPr lang="en-GB" dirty="0">
+                <a:solidFill>
+                  <a:schemeClr val="bg1"/>
+                </a:solidFill>
+              </a:rPr>
+              <a:t>Do not take if pregnant or if you have fainted in the last three days.</a:t>
+            </a:r>
+          </a:p>
+          <a:p>
+            <a:endParaRPr lang="en-GB" dirty="0">
+              <a:solidFill>
+                <a:schemeClr val="bg2">
+                  <a:lumMod val="50000"/>
+                </a:schemeClr>
+              </a:solidFill>
+            </a:endParaRPr>
           </a:p>
         </p:txBody>
       </p:sp>
@@ -6065,7 +7282,7 @@
         <p:spPr>
           <a:xfrm>
             <a:off x="191453" y="2740101"/>
-            <a:ext cx="2736810" cy="369332"/>
+            <a:ext cx="2736810" cy="1754326"/>
           </a:xfrm>
           <a:prstGeom prst="rect">
             <a:avLst/>
@@ -6079,7 +7296,7 @@
           <a:lstStyle/>
           <a:p>
             <a:r>
-              <a:rPr lang="en-GB" dirty="0">
+              <a:rPr lang="en-GB" b="1" dirty="0">
                 <a:solidFill>
                   <a:schemeClr val="bg2">
                     <a:lumMod val="50000"/>
@@ -6088,6 +7305,34 @@
               </a:rPr>
               <a:t>Dosage</a:t>
             </a:r>
+          </a:p>
+          <a:p>
+            <a:endParaRPr lang="en-GB" dirty="0">
+              <a:solidFill>
+                <a:schemeClr val="bg2">
+                  <a:lumMod val="50000"/>
+                </a:schemeClr>
+              </a:solidFill>
+            </a:endParaRPr>
+          </a:p>
+          <a:p>
+            <a:r>
+              <a:rPr lang="en-GB" dirty="0">
+                <a:solidFill>
+                  <a:schemeClr val="bg1"/>
+                </a:solidFill>
+              </a:rPr>
+              <a:t>2x 50 mg tablets taken once in the morning before breakfast.</a:t>
+            </a:r>
+          </a:p>
+          <a:p>
+            <a:endParaRPr lang="en-GB" dirty="0">
+              <a:solidFill>
+                <a:schemeClr val="bg2">
+                  <a:lumMod val="50000"/>
+                </a:schemeClr>
+              </a:solidFill>
+            </a:endParaRPr>
           </a:p>
         </p:txBody>
       </p:sp>
@@ -6104,7 +7349,7 @@
 </p:sld>
 </file>
 
-<file path=ppt/slides/slide11.xml><?xml version="1.0" encoding="utf-8"?>
+<file path=ppt/slides/slide12.xml><?xml version="1.0" encoding="utf-8"?>
 <p:sld xmlns:a="http://schemas.openxmlformats.org/drawingml/2006/main" xmlns:r="http://schemas.openxmlformats.org/officeDocument/2006/relationships" xmlns:p="http://schemas.openxmlformats.org/presentationml/2006/main">
   <p:cSld>
     <p:bg>
@@ -6213,7 +7458,7 @@
           <p:nvPr/>
         </p:nvPicPr>
         <p:blipFill>
-          <a:blip r:embed="rId2">
+          <a:blip r:embed="rId3">
             <a:extLst>
               <a:ext uri="{28A0092B-C50C-407E-A947-70E740481C1C}">
                 <a14:useLocalDpi xmlns:a14="http://schemas.microsoft.com/office/drawing/2010/main" val="0"/>
@@ -6382,7 +7627,7 @@
             <p:nvPr/>
           </p:nvPicPr>
           <p:blipFill>
-            <a:blip r:embed="rId3" cstate="print">
+            <a:blip r:embed="rId4" cstate="print">
               <a:extLst>
                 <a:ext uri="{28A0092B-C50C-407E-A947-70E740481C1C}">
                   <a14:useLocalDpi xmlns:a14="http://schemas.microsoft.com/office/drawing/2010/main" val="0"/>
@@ -6423,7 +7668,7 @@
             <p:nvPr/>
           </p:nvPicPr>
           <p:blipFill>
-            <a:blip r:embed="rId3" cstate="print">
+            <a:blip r:embed="rId4" cstate="print">
               <a:extLst>
                 <a:ext uri="{28A0092B-C50C-407E-A947-70E740481C1C}">
                   <a14:useLocalDpi xmlns:a14="http://schemas.microsoft.com/office/drawing/2010/main" val="0"/>
@@ -6464,7 +7709,7 @@
             <p:nvPr/>
           </p:nvPicPr>
           <p:blipFill>
-            <a:blip r:embed="rId3" cstate="print">
+            <a:blip r:embed="rId4" cstate="print">
               <a:extLst>
                 <a:ext uri="{28A0092B-C50C-407E-A947-70E740481C1C}">
                   <a14:useLocalDpi xmlns:a14="http://schemas.microsoft.com/office/drawing/2010/main" val="0"/>
@@ -6505,7 +7750,7 @@
             <p:nvPr/>
           </p:nvPicPr>
           <p:blipFill>
-            <a:blip r:embed="rId3" cstate="print">
+            <a:blip r:embed="rId4" cstate="print">
               <a:extLst>
                 <a:ext uri="{28A0092B-C50C-407E-A947-70E740481C1C}">
                   <a14:useLocalDpi xmlns:a14="http://schemas.microsoft.com/office/drawing/2010/main" val="0"/>
@@ -6546,7 +7791,7 @@
             <p:nvPr/>
           </p:nvPicPr>
           <p:blipFill>
-            <a:blip r:embed="rId3" cstate="print">
+            <a:blip r:embed="rId4" cstate="print">
               <a:extLst>
                 <a:ext uri="{28A0092B-C50C-407E-A947-70E740481C1C}">
                   <a14:useLocalDpi xmlns:a14="http://schemas.microsoft.com/office/drawing/2010/main" val="0"/>
@@ -6587,7 +7832,7 @@
             <p:nvPr/>
           </p:nvPicPr>
           <p:blipFill>
-            <a:blip r:embed="rId3" cstate="print">
+            <a:blip r:embed="rId4" cstate="print">
               <a:extLst>
                 <a:ext uri="{28A0092B-C50C-407E-A947-70E740481C1C}">
                   <a14:useLocalDpi xmlns:a14="http://schemas.microsoft.com/office/drawing/2010/main" val="0"/>
@@ -6628,7 +7873,7 @@
             <p:nvPr/>
           </p:nvPicPr>
           <p:blipFill>
-            <a:blip r:embed="rId3" cstate="print">
+            <a:blip r:embed="rId4" cstate="print">
               <a:extLst>
                 <a:ext uri="{28A0092B-C50C-407E-A947-70E740481C1C}">
                   <a14:useLocalDpi xmlns:a14="http://schemas.microsoft.com/office/drawing/2010/main" val="0"/>
@@ -6669,7 +7914,7 @@
             <p:nvPr/>
           </p:nvPicPr>
           <p:blipFill>
-            <a:blip r:embed="rId3" cstate="print">
+            <a:blip r:embed="rId4" cstate="print">
               <a:extLst>
                 <a:ext uri="{28A0092B-C50C-407E-A947-70E740481C1C}">
                   <a14:useLocalDpi xmlns:a14="http://schemas.microsoft.com/office/drawing/2010/main" val="0"/>
@@ -6710,7 +7955,7 @@
             <p:nvPr/>
           </p:nvPicPr>
           <p:blipFill>
-            <a:blip r:embed="rId3" cstate="print">
+            <a:blip r:embed="rId4" cstate="print">
               <a:extLst>
                 <a:ext uri="{28A0092B-C50C-407E-A947-70E740481C1C}">
                   <a14:useLocalDpi xmlns:a14="http://schemas.microsoft.com/office/drawing/2010/main" val="0"/>
@@ -6751,7 +7996,7 @@
             <p:nvPr/>
           </p:nvPicPr>
           <p:blipFill>
-            <a:blip r:embed="rId3" cstate="print">
+            <a:blip r:embed="rId4" cstate="print">
               <a:extLst>
                 <a:ext uri="{28A0092B-C50C-407E-A947-70E740481C1C}">
                   <a14:useLocalDpi xmlns:a14="http://schemas.microsoft.com/office/drawing/2010/main" val="0"/>
@@ -6792,7 +8037,7 @@
             <p:nvPr/>
           </p:nvPicPr>
           <p:blipFill>
-            <a:blip r:embed="rId3" cstate="print">
+            <a:blip r:embed="rId4" cstate="print">
               <a:extLst>
                 <a:ext uri="{28A0092B-C50C-407E-A947-70E740481C1C}">
                   <a14:useLocalDpi xmlns:a14="http://schemas.microsoft.com/office/drawing/2010/main" val="0"/>
@@ -6833,7 +8078,7 @@
             <p:nvPr/>
           </p:nvPicPr>
           <p:blipFill>
-            <a:blip r:embed="rId3" cstate="print">
+            <a:blip r:embed="rId4" cstate="print">
               <a:extLst>
                 <a:ext uri="{28A0092B-C50C-407E-A947-70E740481C1C}">
                   <a14:useLocalDpi xmlns:a14="http://schemas.microsoft.com/office/drawing/2010/main" val="0"/>
@@ -6875,7 +8120,7 @@
           <p:nvPr/>
         </p:nvPicPr>
         <p:blipFill>
-          <a:blip r:embed="rId4" cstate="print">
+          <a:blip r:embed="rId5" cstate="print">
             <a:extLst>
               <a:ext uri="{28A0092B-C50C-407E-A947-70E740481C1C}">
                 <a14:useLocalDpi xmlns:a14="http://schemas.microsoft.com/office/drawing/2010/main" val="0"/>
@@ -6915,7 +8160,7 @@
           <p:nvPr/>
         </p:nvPicPr>
         <p:blipFill>
-          <a:blip r:embed="rId5">
+          <a:blip r:embed="rId6">
             <a:extLst>
               <a:ext uri="{28A0092B-C50C-407E-A947-70E740481C1C}">
                 <a14:useLocalDpi xmlns:a14="http://schemas.microsoft.com/office/drawing/2010/main" val="0"/>
@@ -6960,7 +8205,7 @@
 </p:sld>
 </file>
 
-<file path=ppt/slides/slide12.xml><?xml version="1.0" encoding="utf-8"?>
+<file path=ppt/slides/slide13.xml><?xml version="1.0" encoding="utf-8"?>
 <p:sld xmlns:a="http://schemas.openxmlformats.org/drawingml/2006/main" xmlns:r="http://schemas.openxmlformats.org/officeDocument/2006/relationships" xmlns:p="http://schemas.openxmlformats.org/presentationml/2006/main">
   <p:cSld>
     <p:bg>
@@ -7936,7 +9181,7 @@
             <a:p>
               <a:r>
                 <a:rPr lang="en-GB" b="1" dirty="0"/>
-                <a:t>Exercise Title</a:t>
+                <a:t>Hand Grasping</a:t>
               </a:r>
             </a:p>
           </p:txBody>
@@ -8130,7 +9375,7 @@
             <a:p>
               <a:r>
                 <a:rPr lang="en-GB" b="1" dirty="0"/>
-                <a:t>Exercise Title</a:t>
+                <a:t>Seated Rowing</a:t>
               </a:r>
             </a:p>
           </p:txBody>
@@ -8324,7 +9569,7 @@
             <a:p>
               <a:r>
                 <a:rPr lang="en-GB" b="1" dirty="0"/>
-                <a:t>Exercise Title</a:t>
+                <a:t>Seated Cycling </a:t>
               </a:r>
             </a:p>
           </p:txBody>
@@ -9477,44 +10722,12 @@
             <a:lstStyle/>
             <a:p>
               <a:r>
-                <a:rPr lang="en-GB" sz="1100" dirty="0" smtClean="0">
-                  <a:solidFill>
-                    <a:schemeClr val="bg1"/>
-                  </a:solidFill>
-                </a:rPr>
-                <a:t>Tai </a:t>
-              </a:r>
-              <a:r>
                 <a:rPr lang="en-GB" sz="1100" dirty="0">
                   <a:solidFill>
                     <a:schemeClr val="bg1"/>
                   </a:solidFill>
                 </a:rPr>
-                <a:t>Chi </a:t>
-              </a:r>
-              <a:r>
-                <a:rPr lang="en-GB" sz="1100" dirty="0" smtClean="0">
-                  <a:solidFill>
-                    <a:schemeClr val="bg1"/>
-                  </a:solidFill>
-                </a:rPr>
-                <a:t>,be </a:t>
-              </a:r>
-              <a:r>
-                <a:rPr lang="en-GB" sz="1100" dirty="0">
-                  <a:solidFill>
-                    <a:schemeClr val="bg1"/>
-                  </a:solidFill>
-                </a:rPr>
-                <a:t>mindful of your body’s movements as well as your breathing and the sensations that your body is experiencing. Try to move </a:t>
-              </a:r>
-              <a:r>
-                <a:rPr lang="en-GB" sz="1100" dirty="0" smtClean="0">
-                  <a:solidFill>
-                    <a:schemeClr val="bg1"/>
-                  </a:solidFill>
-                </a:rPr>
-                <a:t>like water</a:t>
+                <a:t>Tai Chi ,be mindful of your body’s movements as well as your breathing and the sensations that your body is experiencing. Try to move like water</a:t>
               </a:r>
               <a:endParaRPr lang="en-GB" sz="1600" dirty="0"/>
             </a:p>
@@ -16635,7 +17848,7 @@
           <p:cNvPr id="50" name="Picture 2">
             <a:extLst>
               <a:ext uri="{FF2B5EF4-FFF2-40B4-BE49-F238E27FC236}">
-                <a16:creationId xmlns:a16="http://schemas.microsoft.com/office/drawing/2014/main" xmlns="" id="{5DE2B882-3C88-4F7E-B0BD-522F76D3B620}"/>
+                <a16:creationId xmlns:a16="http://schemas.microsoft.com/office/drawing/2014/main" id="{5DE2B882-3C88-4F7E-B0BD-522F76D3B620}"/>
               </a:ext>
             </a:extLst>
           </p:cNvPr>
@@ -17597,7 +18810,7 @@
             <p:spPr>
               <a:xfrm>
                 <a:off x="360412" y="952500"/>
-                <a:ext cx="1800200" cy="369332"/>
+                <a:ext cx="1800200" cy="391346"/>
               </a:xfrm>
               <a:prstGeom prst="rect">
                 <a:avLst/>
@@ -17612,7 +18825,7 @@
               <a:p>
                 <a:r>
                   <a:rPr lang="en-GB" b="1" dirty="0"/>
-                  <a:t>Med name</a:t>
+                  <a:t>Oxytocin</a:t>
                 </a:r>
               </a:p>
             </p:txBody>
@@ -17906,7 +19119,7 @@
             <p:spPr>
               <a:xfrm>
                 <a:off x="360412" y="952500"/>
-                <a:ext cx="1800200" cy="369332"/>
+                <a:ext cx="1800200" cy="391346"/>
               </a:xfrm>
               <a:prstGeom prst="rect">
                 <a:avLst/>
@@ -17920,9 +19133,10 @@
               <a:lstStyle/>
               <a:p>
                 <a:r>
-                  <a:rPr lang="en-GB" b="1" dirty="0"/>
-                  <a:t>Med name</a:t>
+                  <a:rPr lang="en-GB" b="1" dirty="0" err="1"/>
+                  <a:t>Tetracoloridine</a:t>
                 </a:r>
+                <a:endParaRPr lang="en-GB" b="1" dirty="0"/>
               </a:p>
             </p:txBody>
           </p:sp>
@@ -18229,7 +19443,7 @@
               <p:spPr>
                 <a:xfrm>
                   <a:off x="360412" y="952500"/>
-                  <a:ext cx="1800200" cy="369332"/>
+                  <a:ext cx="1800200" cy="391346"/>
                 </a:xfrm>
                 <a:prstGeom prst="rect">
                   <a:avLst/>
@@ -18243,9 +19457,10 @@
                 <a:lstStyle/>
                 <a:p>
                   <a:r>
-                    <a:rPr lang="en-GB" b="1" dirty="0"/>
-                    <a:t>Med name</a:t>
+                    <a:rPr lang="en-GB" b="1" dirty="0" err="1"/>
+                    <a:t>Formohelidrine</a:t>
                   </a:r>
+                  <a:endParaRPr lang="en-GB" b="1" dirty="0"/>
                 </a:p>
               </p:txBody>
             </p:sp>
@@ -19685,47 +20900,63 @@
           </a:p>
         </p:txBody>
       </p:sp>
-      <p:pic>
-        <p:nvPicPr>
-          <p:cNvPr id="19" name="Picture 4" descr="C:\Users\Sam\OneDrive\Documents\Heriot Watt\Advanced Interaction design\courswork a\storyboard\Pill_page\pill_2.png"/>
-          <p:cNvPicPr>
-            <a:picLocks noChangeAspect="1" noChangeArrowheads="1"/>
-          </p:cNvPicPr>
-          <p:nvPr/>
-        </p:nvPicPr>
-        <p:blipFill>
-          <a:blip r:embed="rId6" cstate="print">
+      <p:sp>
+        <p:nvSpPr>
+          <p:cNvPr id="20" name="Rectangle 19">
             <a:extLst>
-              <a:ext uri="{28A0092B-C50C-407E-A947-70E740481C1C}">
-                <a14:useLocalDpi xmlns:a14="http://schemas.microsoft.com/office/drawing/2010/main" val="0"/>
+              <a:ext uri="{FF2B5EF4-FFF2-40B4-BE49-F238E27FC236}">
+                <a16:creationId xmlns:a16="http://schemas.microsoft.com/office/drawing/2014/main" id="{6AF6B6E6-311A-4AA0-A7DC-FB8F412FF06F}"/>
               </a:ext>
             </a:extLst>
-          </a:blip>
-          <a:srcRect/>
-          <a:stretch>
-            <a:fillRect/>
-          </a:stretch>
-        </p:blipFill>
-        <p:spPr bwMode="auto">
-          <a:xfrm rot="20390434">
-            <a:off x="2698871" y="1546290"/>
-            <a:ext cx="1080120" cy="754074"/>
+          </p:cNvPr>
+          <p:cNvSpPr/>
+          <p:nvPr/>
+        </p:nvSpPr>
+        <p:spPr>
+          <a:xfrm>
+            <a:off x="2520652" y="2715520"/>
+            <a:ext cx="1436560" cy="1604835"/>
           </a:xfrm>
           <a:prstGeom prst="rect">
             <a:avLst/>
           </a:prstGeom>
-          <a:noFill/>
-          <a:extLst>
-            <a:ext uri="{909E8E84-426E-40DD-AFC4-6F175D3DCCD1}">
-              <a14:hiddenFill xmlns:a14="http://schemas.microsoft.com/office/drawing/2010/main">
-                <a:solidFill>
-                  <a:srgbClr val="FFFFFF"/>
-                </a:solidFill>
-              </a14:hiddenFill>
-            </a:ext>
-          </a:extLst>
+          <a:solidFill>
+            <a:schemeClr val="accent3">
+              <a:lumMod val="40000"/>
+              <a:lumOff val="60000"/>
+            </a:schemeClr>
+          </a:solidFill>
         </p:spPr>
-      </p:pic>
+        <p:style>
+          <a:lnRef idx="2">
+            <a:schemeClr val="accent3"/>
+          </a:lnRef>
+          <a:fillRef idx="1">
+            <a:schemeClr val="lt1"/>
+          </a:fillRef>
+          <a:effectRef idx="0">
+            <a:schemeClr val="accent3"/>
+          </a:effectRef>
+          <a:fontRef idx="minor">
+            <a:schemeClr val="dk1"/>
+          </a:fontRef>
+        </p:style>
+        <p:txBody>
+          <a:bodyPr rtlCol="0" anchor="ctr"/>
+          <a:lstStyle/>
+          <a:p>
+            <a:pPr algn="ctr"/>
+            <a:r>
+              <a:rPr lang="en-GB" dirty="0"/>
+              <a:t>Dose:</a:t>
+            </a:r>
+          </a:p>
+          <a:p>
+            <a:pPr algn="ctr"/>
+            <a:endParaRPr lang="en-GB" dirty="0"/>
+          </a:p>
+        </p:txBody>
+      </p:sp>
     </p:spTree>
     <p:extLst>
       <p:ext uri="{BB962C8B-B14F-4D97-AF65-F5344CB8AC3E}">
